--- a/Fourier transform/采样率,周期,和采样点之间的关系.pptx
+++ b/Fourier transform/采样率,周期,和采样点之间的关系.pptx
@@ -3335,7 +3335,7 @@
         </p:nvSpPr>
         <p:spPr>
           <a:xfrm>
-            <a:off x="341745" y="378691"/>
+            <a:off x="2796699" y="330644"/>
             <a:ext cx="3299301" cy="646331"/>
           </a:xfrm>
           <a:prstGeom prst="rect">
@@ -3350,11 +3350,11 @@
           <a:lstStyle/>
           <a:p>
             <a:r>
-              <a:rPr lang="zh-CN" altLang="en-US" dirty="0"/>
+              <a:rPr lang="zh-CN" altLang="en-US" b="1" dirty="0"/>
               <a:t>采样率</a:t>
             </a:r>
             <a:r>
-              <a:rPr lang="en-US" altLang="zh-CN" dirty="0"/>
+              <a:rPr lang="en-US" altLang="zh-CN" b="1" dirty="0"/>
               <a:t>: </a:t>
             </a:r>
             <a:r>
@@ -3365,11 +3365,11 @@
           </a:p>
           <a:p>
             <a:r>
-              <a:rPr lang="zh-CN" altLang="en-US" dirty="0"/>
+              <a:rPr lang="zh-CN" altLang="en-US" b="1" dirty="0"/>
               <a:t>频率</a:t>
             </a:r>
             <a:r>
-              <a:rPr lang="en-US" altLang="zh-CN" dirty="0"/>
+              <a:rPr lang="en-US" altLang="zh-CN" b="1" dirty="0"/>
               <a:t>: </a:t>
             </a:r>
             <a:r>
@@ -3395,7 +3395,7 @@
             </p:nvSpPr>
             <p:spPr>
               <a:xfrm>
-                <a:off x="4451924" y="2078181"/>
+                <a:off x="4405742" y="1440872"/>
                 <a:ext cx="1385455" cy="914400"/>
               </a:xfrm>
               <a:prstGeom prst="rect">
@@ -3520,7 +3520,7 @@
             </p:nvSpPr>
             <p:spPr>
               <a:xfrm>
-                <a:off x="4451924" y="2078181"/>
+                <a:off x="4405742" y="1440872"/>
                 <a:ext cx="1385455" cy="914400"/>
               </a:xfrm>
               <a:prstGeom prst="rect">
@@ -3564,7 +3564,7 @@
             </p:nvSpPr>
             <p:spPr>
               <a:xfrm>
-                <a:off x="6894942" y="2078181"/>
+                <a:off x="6848760" y="1440872"/>
                 <a:ext cx="2618512" cy="914400"/>
               </a:xfrm>
               <a:prstGeom prst="rect">
@@ -3732,7 +3732,7 @@
             </p:nvSpPr>
             <p:spPr>
               <a:xfrm>
-                <a:off x="6894942" y="2078181"/>
+                <a:off x="6848760" y="1440872"/>
                 <a:ext cx="2618512" cy="914400"/>
               </a:xfrm>
               <a:prstGeom prst="rect">
@@ -3777,7 +3777,7 @@
         </p:nvCxnSpPr>
         <p:spPr>
           <a:xfrm>
-            <a:off x="5708073" y="2535381"/>
+            <a:off x="5661891" y="1898072"/>
             <a:ext cx="1186869" cy="0"/>
           </a:xfrm>
           <a:prstGeom prst="straightConnector1">
@@ -3816,7 +3816,7 @@
         </p:nvSpPr>
         <p:spPr>
           <a:xfrm>
-            <a:off x="6042995" y="2138340"/>
+            <a:off x="5996813" y="1501031"/>
             <a:ext cx="646331" cy="369332"/>
           </a:xfrm>
           <a:prstGeom prst="rect">
@@ -3855,7 +3855,7 @@
         </p:nvCxnSpPr>
         <p:spPr>
           <a:xfrm>
-            <a:off x="3313436" y="2535381"/>
+            <a:off x="3267254" y="1898072"/>
             <a:ext cx="1138488" cy="0"/>
           </a:xfrm>
           <a:prstGeom prst="straightConnector1">
@@ -3894,7 +3894,7 @@
         </p:nvSpPr>
         <p:spPr>
           <a:xfrm>
-            <a:off x="3470559" y="2166049"/>
+            <a:off x="3424377" y="1528740"/>
             <a:ext cx="646331" cy="369332"/>
           </a:xfrm>
           <a:prstGeom prst="rect">
@@ -3931,7 +3931,7 @@
             </p:nvSpPr>
             <p:spPr>
               <a:xfrm>
-                <a:off x="1927981" y="2078181"/>
+                <a:off x="1881799" y="1440872"/>
                 <a:ext cx="1385455" cy="914400"/>
               </a:xfrm>
               <a:prstGeom prst="rect">
@@ -3973,28 +3973,35 @@
                       <m:jc m:val="centerGroup"/>
                     </m:oMathParaPr>
                     <m:oMath xmlns:m="http://schemas.openxmlformats.org/officeDocument/2006/math">
-                      <m:r>
-                        <a:rPr lang="en-US" altLang="zh-CN" b="0" i="1" smtClean="0">
-                          <a:latin typeface="Cambria Math" panose="02040503050406030204" pitchFamily="18" charset="0"/>
-                        </a:rPr>
-                        <m:t>𝑇</m:t>
-                      </m:r>
-                      <m:r>
-                        <a:rPr lang="en-US" altLang="zh-CN" b="0" i="1" smtClean="0">
-                          <a:latin typeface="Cambria Math" panose="02040503050406030204" pitchFamily="18" charset="0"/>
-                        </a:rPr>
-                        <m:t>_</m:t>
-                      </m:r>
-                      <m:r>
-                        <a:rPr lang="en-US" altLang="zh-CN" b="0" i="1" smtClean="0">
-                          <a:latin typeface="Cambria Math" panose="02040503050406030204" pitchFamily="18" charset="0"/>
-                        </a:rPr>
-                        <m:t>𝑠</m:t>
-                      </m:r>
+                      <m:sSub>
+                        <m:sSubPr>
+                          <m:ctrlPr>
+                            <a:rPr lang="en-US" altLang="zh-CN" b="0" i="1" smtClean="0">
+                              <a:latin typeface="Cambria Math" panose="02040503050406030204" pitchFamily="18" charset="0"/>
+                            </a:rPr>
+                          </m:ctrlPr>
+                        </m:sSubPr>
+                        <m:e>
+                          <m:r>
+                            <a:rPr lang="en-US" altLang="zh-CN" b="0" i="1" smtClean="0">
+                              <a:latin typeface="Cambria Math" panose="02040503050406030204" pitchFamily="18" charset="0"/>
+                            </a:rPr>
+                            <m:t>𝑇</m:t>
+                          </m:r>
+                        </m:e>
+                        <m:sub>
+                          <m:r>
+                            <a:rPr lang="en-US" altLang="zh-CN" i="1">
+                              <a:latin typeface="Cambria Math" panose="02040503050406030204" pitchFamily="18" charset="0"/>
+                            </a:rPr>
+                            <m:t>𝑠</m:t>
+                          </m:r>
+                        </m:sub>
+                      </m:sSub>
                     </m:oMath>
                   </m:oMathPara>
                 </a14:m>
-                <a:endParaRPr lang="zh-CN" altLang="en-US" dirty="0"/>
+                <a:endParaRPr lang="zh-CN" altLang="en-US" i="1" dirty="0"/>
               </a:p>
             </p:txBody>
           </p:sp>
@@ -4016,7 +4023,7 @@
             </p:nvSpPr>
             <p:spPr>
               <a:xfrm>
-                <a:off x="1927981" y="2078181"/>
+                <a:off x="1881799" y="1440872"/>
                 <a:ext cx="1385455" cy="914400"/>
               </a:xfrm>
               <a:prstGeom prst="rect">
@@ -4060,7 +4067,7 @@
             </p:nvSpPr>
             <p:spPr>
               <a:xfrm>
-                <a:off x="4451924" y="3819450"/>
+                <a:off x="4405742" y="3182141"/>
                 <a:ext cx="1385455" cy="914400"/>
               </a:xfrm>
               <a:prstGeom prst="rect">
@@ -4170,7 +4177,7 @@
             </p:nvSpPr>
             <p:spPr>
               <a:xfrm>
-                <a:off x="4451924" y="3819450"/>
+                <a:off x="4405742" y="3182141"/>
                 <a:ext cx="1385455" cy="914400"/>
               </a:xfrm>
               <a:prstGeom prst="rect">
@@ -4214,7 +4221,7 @@
             </p:nvSpPr>
             <p:spPr>
               <a:xfrm>
-                <a:off x="6894942" y="3819450"/>
+                <a:off x="6848760" y="3182141"/>
                 <a:ext cx="2618512" cy="914400"/>
               </a:xfrm>
               <a:prstGeom prst="rect">
@@ -4360,7 +4367,7 @@
             </p:nvSpPr>
             <p:spPr>
               <a:xfrm>
-                <a:off x="6894942" y="3819450"/>
+                <a:off x="6848760" y="3182141"/>
                 <a:ext cx="2618512" cy="914400"/>
               </a:xfrm>
               <a:prstGeom prst="rect">
@@ -4405,7 +4412,7 @@
         </p:nvCxnSpPr>
         <p:spPr>
           <a:xfrm>
-            <a:off x="5708073" y="4276650"/>
+            <a:off x="5661891" y="3639341"/>
             <a:ext cx="1186869" cy="0"/>
           </a:xfrm>
           <a:prstGeom prst="straightConnector1">
@@ -4444,7 +4451,7 @@
         </p:nvSpPr>
         <p:spPr>
           <a:xfrm>
-            <a:off x="6042995" y="3879609"/>
+            <a:off x="5996813" y="3242300"/>
             <a:ext cx="646331" cy="369332"/>
           </a:xfrm>
           <a:prstGeom prst="rect">
@@ -4481,7 +4488,7 @@
             </p:nvSpPr>
             <p:spPr>
               <a:xfrm>
-                <a:off x="1927981" y="3819450"/>
+                <a:off x="1881799" y="3182141"/>
                 <a:ext cx="1385455" cy="914400"/>
               </a:xfrm>
               <a:prstGeom prst="rect">
@@ -4556,7 +4563,7 @@
             </p:nvSpPr>
             <p:spPr>
               <a:xfrm>
-                <a:off x="1927981" y="3819450"/>
+                <a:off x="1881799" y="3182141"/>
                 <a:ext cx="1385455" cy="914400"/>
               </a:xfrm>
               <a:prstGeom prst="rect">
@@ -4565,7 +4572,7 @@
               <a:blipFill>
                 <a:blip r:embed="rId7"/>
                 <a:stretch>
-                  <a:fillRect l="-1739" t="-3289" r="-1304"/>
+                  <a:fillRect l="-2183" t="-2632" r="-1310"/>
                 </a:stretch>
               </a:blipFill>
             </p:spPr>
@@ -4602,7 +4609,7 @@
         </p:nvCxnSpPr>
         <p:spPr>
           <a:xfrm>
-            <a:off x="3313436" y="2535381"/>
+            <a:off x="3267254" y="1898072"/>
             <a:ext cx="1138488" cy="1741269"/>
           </a:xfrm>
           <a:prstGeom prst="straightConnector1">
@@ -4645,7 +4652,7 @@
         </p:nvCxnSpPr>
         <p:spPr>
           <a:xfrm>
-            <a:off x="3313436" y="4276650"/>
+            <a:off x="3267254" y="3639341"/>
             <a:ext cx="1138488" cy="0"/>
           </a:xfrm>
           <a:prstGeom prst="straightConnector1">
@@ -4684,8 +4691,8 @@
         </p:nvSpPr>
         <p:spPr>
           <a:xfrm>
-            <a:off x="1782619" y="5191050"/>
-            <a:ext cx="9318577" cy="923330"/>
+            <a:off x="1736437" y="4553741"/>
+            <a:ext cx="7823199" cy="1477328"/>
           </a:xfrm>
           <a:prstGeom prst="rect">
             <a:avLst/>
@@ -4693,7 +4700,7 @@
           <a:noFill/>
         </p:spPr>
         <p:txBody>
-          <a:bodyPr wrap="none" rtlCol="0">
+          <a:bodyPr wrap="square" rtlCol="0">
             <a:spAutoFit/>
           </a:bodyPr>
           <a:lstStyle/>

--- a/Fourier transform/采样率,周期,和采样点之间的关系.pptx
+++ b/Fourier transform/采样率,周期,和采样点之间的关系.pptx
@@ -6,6 +6,8 @@
   </p:sldMasterIdLst>
   <p:sldIdLst>
     <p:sldId id="256" r:id="rId2"/>
+    <p:sldId id="257" r:id="rId3"/>
+    <p:sldId id="258" r:id="rId4"/>
   </p:sldIdLst>
   <p:sldSz cx="12192000" cy="6858000"/>
   <p:notesSz cx="6858000" cy="9144000"/>
@@ -104,6 +106,11 @@
       </a:defRPr>
     </a:lvl9pPr>
   </p:defaultTextStyle>
+  <p:extLst>
+    <p:ext uri="{EFAFB233-063F-42B5-8137-9DF3F51BA10A}">
+      <p15:sldGuideLst xmlns:p15="http://schemas.microsoft.com/office/powerpoint/2012/main"/>
+    </p:ext>
+  </p:extLst>
 </p:presentation>
 </file>
 
@@ -254,7 +261,7 @@
           <a:p>
             <a:fld id="{DA32B594-5AF5-4C87-8353-ED674525C740}" type="datetimeFigureOut">
               <a:rPr lang="zh-CN" altLang="en-US" smtClean="0"/>
-              <a:t>2022/12/7</a:t>
+              <a:t>2022/12/11</a:t>
             </a:fld>
             <a:endParaRPr lang="zh-CN" altLang="en-US"/>
           </a:p>
@@ -452,7 +459,7 @@
           <a:p>
             <a:fld id="{DA32B594-5AF5-4C87-8353-ED674525C740}" type="datetimeFigureOut">
               <a:rPr lang="zh-CN" altLang="en-US" smtClean="0"/>
-              <a:t>2022/12/7</a:t>
+              <a:t>2022/12/11</a:t>
             </a:fld>
             <a:endParaRPr lang="zh-CN" altLang="en-US"/>
           </a:p>
@@ -660,7 +667,7 @@
           <a:p>
             <a:fld id="{DA32B594-5AF5-4C87-8353-ED674525C740}" type="datetimeFigureOut">
               <a:rPr lang="zh-CN" altLang="en-US" smtClean="0"/>
-              <a:t>2022/12/7</a:t>
+              <a:t>2022/12/11</a:t>
             </a:fld>
             <a:endParaRPr lang="zh-CN" altLang="en-US"/>
           </a:p>
@@ -858,7 +865,7 @@
           <a:p>
             <a:fld id="{DA32B594-5AF5-4C87-8353-ED674525C740}" type="datetimeFigureOut">
               <a:rPr lang="zh-CN" altLang="en-US" smtClean="0"/>
-              <a:t>2022/12/7</a:t>
+              <a:t>2022/12/11</a:t>
             </a:fld>
             <a:endParaRPr lang="zh-CN" altLang="en-US"/>
           </a:p>
@@ -1133,7 +1140,7 @@
           <a:p>
             <a:fld id="{DA32B594-5AF5-4C87-8353-ED674525C740}" type="datetimeFigureOut">
               <a:rPr lang="zh-CN" altLang="en-US" smtClean="0"/>
-              <a:t>2022/12/7</a:t>
+              <a:t>2022/12/11</a:t>
             </a:fld>
             <a:endParaRPr lang="zh-CN" altLang="en-US"/>
           </a:p>
@@ -1398,7 +1405,7 @@
           <a:p>
             <a:fld id="{DA32B594-5AF5-4C87-8353-ED674525C740}" type="datetimeFigureOut">
               <a:rPr lang="zh-CN" altLang="en-US" smtClean="0"/>
-              <a:t>2022/12/7</a:t>
+              <a:t>2022/12/11</a:t>
             </a:fld>
             <a:endParaRPr lang="zh-CN" altLang="en-US"/>
           </a:p>
@@ -1810,7 +1817,7 @@
           <a:p>
             <a:fld id="{DA32B594-5AF5-4C87-8353-ED674525C740}" type="datetimeFigureOut">
               <a:rPr lang="zh-CN" altLang="en-US" smtClean="0"/>
-              <a:t>2022/12/7</a:t>
+              <a:t>2022/12/11</a:t>
             </a:fld>
             <a:endParaRPr lang="zh-CN" altLang="en-US"/>
           </a:p>
@@ -1951,7 +1958,7 @@
           <a:p>
             <a:fld id="{DA32B594-5AF5-4C87-8353-ED674525C740}" type="datetimeFigureOut">
               <a:rPr lang="zh-CN" altLang="en-US" smtClean="0"/>
-              <a:t>2022/12/7</a:t>
+              <a:t>2022/12/11</a:t>
             </a:fld>
             <a:endParaRPr lang="zh-CN" altLang="en-US"/>
           </a:p>
@@ -2064,7 +2071,7 @@
           <a:p>
             <a:fld id="{DA32B594-5AF5-4C87-8353-ED674525C740}" type="datetimeFigureOut">
               <a:rPr lang="zh-CN" altLang="en-US" smtClean="0"/>
-              <a:t>2022/12/7</a:t>
+              <a:t>2022/12/11</a:t>
             </a:fld>
             <a:endParaRPr lang="zh-CN" altLang="en-US"/>
           </a:p>
@@ -2375,7 +2382,7 @@
           <a:p>
             <a:fld id="{DA32B594-5AF5-4C87-8353-ED674525C740}" type="datetimeFigureOut">
               <a:rPr lang="zh-CN" altLang="en-US" smtClean="0"/>
-              <a:t>2022/12/7</a:t>
+              <a:t>2022/12/11</a:t>
             </a:fld>
             <a:endParaRPr lang="zh-CN" altLang="en-US"/>
           </a:p>
@@ -2663,7 +2670,7 @@
           <a:p>
             <a:fld id="{DA32B594-5AF5-4C87-8353-ED674525C740}" type="datetimeFigureOut">
               <a:rPr lang="zh-CN" altLang="en-US" smtClean="0"/>
-              <a:t>2022/12/7</a:t>
+              <a:t>2022/12/11</a:t>
             </a:fld>
             <a:endParaRPr lang="zh-CN" altLang="en-US"/>
           </a:p>
@@ -2904,7 +2911,7 @@
           <a:p>
             <a:fld id="{DA32B594-5AF5-4C87-8353-ED674525C740}" type="datetimeFigureOut">
               <a:rPr lang="zh-CN" altLang="en-US" smtClean="0"/>
-              <a:t>2022/12/7</a:t>
+              <a:t>2022/12/11</a:t>
             </a:fld>
             <a:endParaRPr lang="zh-CN" altLang="en-US"/>
           </a:p>
@@ -3379,8 +3386,8 @@
           </a:p>
         </p:txBody>
       </p:sp>
-      <mc:AlternateContent xmlns:mc="http://schemas.openxmlformats.org/markup-compatibility/2006">
-        <mc:Choice xmlns:a14="http://schemas.microsoft.com/office/drawing/2010/main" Requires="a14">
+      <mc:AlternateContent xmlns:mc="http://schemas.openxmlformats.org/markup-compatibility/2006" xmlns:a14="http://schemas.microsoft.com/office/drawing/2010/main">
+        <mc:Choice Requires="a14">
           <p:sp>
             <p:nvSpPr>
               <p:cNvPr id="5" name="矩形 4">
@@ -3503,7 +3510,7 @@
             </p:txBody>
           </p:sp>
         </mc:Choice>
-        <mc:Fallback>
+        <mc:Fallback xmlns="">
           <p:sp>
             <p:nvSpPr>
               <p:cNvPr id="5" name="矩形 4">
@@ -3548,8 +3555,8 @@
           </p:sp>
         </mc:Fallback>
       </mc:AlternateContent>
-      <mc:AlternateContent xmlns:mc="http://schemas.openxmlformats.org/markup-compatibility/2006">
-        <mc:Choice xmlns:a14="http://schemas.microsoft.com/office/drawing/2010/main" Requires="a14">
+      <mc:AlternateContent xmlns:mc="http://schemas.openxmlformats.org/markup-compatibility/2006" xmlns:a14="http://schemas.microsoft.com/office/drawing/2010/main">
+        <mc:Choice Requires="a14">
           <p:sp>
             <p:nvSpPr>
               <p:cNvPr id="6" name="矩形 5">
@@ -3715,7 +3722,7 @@
             </p:txBody>
           </p:sp>
         </mc:Choice>
-        <mc:Fallback>
+        <mc:Fallback xmlns="">
           <p:sp>
             <p:nvSpPr>
               <p:cNvPr id="6" name="矩形 5">
@@ -3915,8 +3922,8 @@
           </a:p>
         </p:txBody>
       </p:sp>
-      <mc:AlternateContent xmlns:mc="http://schemas.openxmlformats.org/markup-compatibility/2006">
-        <mc:Choice xmlns:a14="http://schemas.microsoft.com/office/drawing/2010/main" Requires="a14">
+      <mc:AlternateContent xmlns:mc="http://schemas.openxmlformats.org/markup-compatibility/2006" xmlns:a14="http://schemas.microsoft.com/office/drawing/2010/main">
+        <mc:Choice Requires="a14">
           <p:sp>
             <p:nvSpPr>
               <p:cNvPr id="17" name="矩形 16">
@@ -4006,7 +4013,7 @@
             </p:txBody>
           </p:sp>
         </mc:Choice>
-        <mc:Fallback>
+        <mc:Fallback xmlns="">
           <p:sp>
             <p:nvSpPr>
               <p:cNvPr id="17" name="矩形 16">
@@ -4051,8 +4058,8 @@
           </p:sp>
         </mc:Fallback>
       </mc:AlternateContent>
-      <mc:AlternateContent xmlns:mc="http://schemas.openxmlformats.org/markup-compatibility/2006">
-        <mc:Choice xmlns:a14="http://schemas.microsoft.com/office/drawing/2010/main" Requires="a14">
+      <mc:AlternateContent xmlns:mc="http://schemas.openxmlformats.org/markup-compatibility/2006" xmlns:a14="http://schemas.microsoft.com/office/drawing/2010/main">
+        <mc:Choice Requires="a14">
           <p:sp>
             <p:nvSpPr>
               <p:cNvPr id="23" name="矩形 22">
@@ -4160,7 +4167,7 @@
             </p:txBody>
           </p:sp>
         </mc:Choice>
-        <mc:Fallback>
+        <mc:Fallback xmlns="">
           <p:sp>
             <p:nvSpPr>
               <p:cNvPr id="23" name="矩形 22">
@@ -4205,8 +4212,8 @@
           </p:sp>
         </mc:Fallback>
       </mc:AlternateContent>
-      <mc:AlternateContent xmlns:mc="http://schemas.openxmlformats.org/markup-compatibility/2006">
-        <mc:Choice xmlns:a14="http://schemas.microsoft.com/office/drawing/2010/main" Requires="a14">
+      <mc:AlternateContent xmlns:mc="http://schemas.openxmlformats.org/markup-compatibility/2006" xmlns:a14="http://schemas.microsoft.com/office/drawing/2010/main">
+        <mc:Choice Requires="a14">
           <p:sp>
             <p:nvSpPr>
               <p:cNvPr id="24" name="矩形 23">
@@ -4350,7 +4357,7 @@
             </p:txBody>
           </p:sp>
         </mc:Choice>
-        <mc:Fallback>
+        <mc:Fallback xmlns="">
           <p:sp>
             <p:nvSpPr>
               <p:cNvPr id="24" name="矩形 23">
@@ -4472,8 +4479,8 @@
           </a:p>
         </p:txBody>
       </p:sp>
-      <mc:AlternateContent xmlns:mc="http://schemas.openxmlformats.org/markup-compatibility/2006">
-        <mc:Choice xmlns:a14="http://schemas.microsoft.com/office/drawing/2010/main" Requires="a14">
+      <mc:AlternateContent xmlns:mc="http://schemas.openxmlformats.org/markup-compatibility/2006" xmlns:a14="http://schemas.microsoft.com/office/drawing/2010/main">
+        <mc:Choice Requires="a14">
           <p:sp>
             <p:nvSpPr>
               <p:cNvPr id="27" name="矩形 26">
@@ -4546,7 +4553,7 @@
             </p:txBody>
           </p:sp>
         </mc:Choice>
-        <mc:Fallback>
+        <mc:Fallback xmlns="">
           <p:sp>
             <p:nvSpPr>
               <p:cNvPr id="27" name="矩形 26">
@@ -4826,6 +4833,2282 @@
     <p:extLst>
       <p:ext uri="{BB962C8B-B14F-4D97-AF65-F5344CB8AC3E}">
         <p14:creationId xmlns:p14="http://schemas.microsoft.com/office/powerpoint/2010/main" val="782075069"/>
+      </p:ext>
+    </p:extLst>
+  </p:cSld>
+  <p:clrMapOvr>
+    <a:masterClrMapping/>
+  </p:clrMapOvr>
+</p:sld>
+</file>
+
+<file path=ppt/slides/slide2.xml><?xml version="1.0" encoding="utf-8"?>
+<p:sld xmlns:a="http://schemas.openxmlformats.org/drawingml/2006/main" xmlns:r="http://schemas.openxmlformats.org/officeDocument/2006/relationships" xmlns:p="http://schemas.openxmlformats.org/presentationml/2006/main">
+  <p:cSld>
+    <p:spTree>
+      <p:nvGrpSpPr>
+        <p:cNvPr id="1" name=""/>
+        <p:cNvGrpSpPr/>
+        <p:nvPr/>
+      </p:nvGrpSpPr>
+      <p:grpSpPr>
+        <a:xfrm>
+          <a:off x="0" y="0"/>
+          <a:ext cx="0" cy="0"/>
+          <a:chOff x="0" y="0"/>
+          <a:chExt cx="0" cy="0"/>
+        </a:xfrm>
+      </p:grpSpPr>
+      <p:sp>
+        <p:nvSpPr>
+          <p:cNvPr id="8" name="矩形 7">
+            <a:extLst>
+              <a:ext uri="{FF2B5EF4-FFF2-40B4-BE49-F238E27FC236}">
+                <a16:creationId xmlns:a16="http://schemas.microsoft.com/office/drawing/2014/main" id="{A196595B-649E-7389-7996-AF9737E72FAA}"/>
+              </a:ext>
+            </a:extLst>
+          </p:cNvPr>
+          <p:cNvSpPr/>
+          <p:nvPr/>
+        </p:nvSpPr>
+        <p:spPr>
+          <a:xfrm>
+            <a:off x="1958109" y="1468581"/>
+            <a:ext cx="4821382" cy="3288145"/>
+          </a:xfrm>
+          <a:prstGeom prst="rect">
+            <a:avLst/>
+          </a:prstGeom>
+        </p:spPr>
+        <p:style>
+          <a:lnRef idx="2">
+            <a:schemeClr val="accent1">
+              <a:shade val="50000"/>
+            </a:schemeClr>
+          </a:lnRef>
+          <a:fillRef idx="1">
+            <a:schemeClr val="accent1"/>
+          </a:fillRef>
+          <a:effectRef idx="0">
+            <a:schemeClr val="accent1"/>
+          </a:effectRef>
+          <a:fontRef idx="minor">
+            <a:schemeClr val="lt1"/>
+          </a:fontRef>
+        </p:style>
+        <p:txBody>
+          <a:bodyPr rtlCol="0" anchor="ctr"/>
+          <a:lstStyle/>
+          <a:p>
+            <a:pPr algn="ctr"/>
+            <a:endParaRPr lang="zh-CN" altLang="en-US" b="1"/>
+          </a:p>
+        </p:txBody>
+      </p:sp>
+      <p:cxnSp>
+        <p:nvCxnSpPr>
+          <p:cNvPr id="3" name="直接箭头连接符 2">
+            <a:extLst>
+              <a:ext uri="{FF2B5EF4-FFF2-40B4-BE49-F238E27FC236}">
+                <a16:creationId xmlns:a16="http://schemas.microsoft.com/office/drawing/2014/main" id="{86CECF34-3A65-264C-2320-8AB31194525C}"/>
+              </a:ext>
+            </a:extLst>
+          </p:cNvPr>
+          <p:cNvCxnSpPr/>
+          <p:nvPr/>
+        </p:nvCxnSpPr>
+        <p:spPr>
+          <a:xfrm flipV="1">
+            <a:off x="1681018" y="1173018"/>
+            <a:ext cx="0" cy="4137891"/>
+          </a:xfrm>
+          <a:prstGeom prst="straightConnector1">
+            <a:avLst/>
+          </a:prstGeom>
+          <a:ln w="38100">
+            <a:tailEnd type="triangle"/>
+          </a:ln>
+        </p:spPr>
+        <p:style>
+          <a:lnRef idx="1">
+            <a:schemeClr val="accent1"/>
+          </a:lnRef>
+          <a:fillRef idx="0">
+            <a:schemeClr val="accent1"/>
+          </a:fillRef>
+          <a:effectRef idx="0">
+            <a:schemeClr val="accent1"/>
+          </a:effectRef>
+          <a:fontRef idx="minor">
+            <a:schemeClr val="tx1"/>
+          </a:fontRef>
+        </p:style>
+      </p:cxnSp>
+      <p:cxnSp>
+        <p:nvCxnSpPr>
+          <p:cNvPr id="7" name="直接箭头连接符 6">
+            <a:extLst>
+              <a:ext uri="{FF2B5EF4-FFF2-40B4-BE49-F238E27FC236}">
+                <a16:creationId xmlns:a16="http://schemas.microsoft.com/office/drawing/2014/main" id="{C5196CCF-1F3D-7A67-741D-A62DF8F84AA3}"/>
+              </a:ext>
+            </a:extLst>
+          </p:cNvPr>
+          <p:cNvCxnSpPr>
+            <a:cxnSpLocks/>
+          </p:cNvCxnSpPr>
+          <p:nvPr/>
+        </p:nvCxnSpPr>
+        <p:spPr>
+          <a:xfrm>
+            <a:off x="979054" y="4978400"/>
+            <a:ext cx="6151419" cy="0"/>
+          </a:xfrm>
+          <a:prstGeom prst="straightConnector1">
+            <a:avLst/>
+          </a:prstGeom>
+          <a:ln w="38100">
+            <a:tailEnd type="triangle"/>
+          </a:ln>
+        </p:spPr>
+        <p:style>
+          <a:lnRef idx="1">
+            <a:schemeClr val="accent1"/>
+          </a:lnRef>
+          <a:fillRef idx="0">
+            <a:schemeClr val="accent1"/>
+          </a:fillRef>
+          <a:effectRef idx="0">
+            <a:schemeClr val="accent1"/>
+          </a:effectRef>
+          <a:fontRef idx="minor">
+            <a:schemeClr val="tx1"/>
+          </a:fontRef>
+        </p:style>
+      </p:cxnSp>
+      <p:sp>
+        <p:nvSpPr>
+          <p:cNvPr id="9" name="文本框 8">
+            <a:extLst>
+              <a:ext uri="{FF2B5EF4-FFF2-40B4-BE49-F238E27FC236}">
+                <a16:creationId xmlns:a16="http://schemas.microsoft.com/office/drawing/2014/main" id="{A24229D5-F35D-A941-280B-883E7B100559}"/>
+              </a:ext>
+            </a:extLst>
+          </p:cNvPr>
+          <p:cNvSpPr txBox="1"/>
+          <p:nvPr/>
+        </p:nvSpPr>
+        <p:spPr>
+          <a:xfrm>
+            <a:off x="6937952" y="5126243"/>
+            <a:ext cx="397866" cy="369332"/>
+          </a:xfrm>
+          <a:prstGeom prst="rect">
+            <a:avLst/>
+          </a:prstGeom>
+          <a:noFill/>
+        </p:spPr>
+        <p:txBody>
+          <a:bodyPr wrap="none" rtlCol="0">
+            <a:spAutoFit/>
+          </a:bodyPr>
+          <a:lstStyle/>
+          <a:p>
+            <a:r>
+              <a:rPr lang="en-US" altLang="zh-CN" b="1" dirty="0"/>
+              <a:t>M</a:t>
+            </a:r>
+            <a:endParaRPr lang="zh-CN" altLang="en-US" b="1" dirty="0"/>
+          </a:p>
+        </p:txBody>
+      </p:sp>
+      <p:sp>
+        <p:nvSpPr>
+          <p:cNvPr id="10" name="文本框 9">
+            <a:extLst>
+              <a:ext uri="{FF2B5EF4-FFF2-40B4-BE49-F238E27FC236}">
+                <a16:creationId xmlns:a16="http://schemas.microsoft.com/office/drawing/2014/main" id="{F7761305-0AB9-F73D-1C46-B02A79D27D70}"/>
+              </a:ext>
+            </a:extLst>
+          </p:cNvPr>
+          <p:cNvSpPr txBox="1"/>
+          <p:nvPr/>
+        </p:nvSpPr>
+        <p:spPr>
+          <a:xfrm>
+            <a:off x="1289092" y="1099249"/>
+            <a:ext cx="360996" cy="369332"/>
+          </a:xfrm>
+          <a:prstGeom prst="rect">
+            <a:avLst/>
+          </a:prstGeom>
+          <a:noFill/>
+        </p:spPr>
+        <p:txBody>
+          <a:bodyPr wrap="none" rtlCol="0">
+            <a:spAutoFit/>
+          </a:bodyPr>
+          <a:lstStyle/>
+          <a:p>
+            <a:r>
+              <a:rPr lang="en-US" altLang="zh-CN" b="1" dirty="0"/>
+              <a:t>N</a:t>
+            </a:r>
+            <a:endParaRPr lang="zh-CN" altLang="en-US" b="1" dirty="0"/>
+          </a:p>
+        </p:txBody>
+      </p:sp>
+      <p:sp>
+        <p:nvSpPr>
+          <p:cNvPr id="12" name="箭头: 右 11">
+            <a:extLst>
+              <a:ext uri="{FF2B5EF4-FFF2-40B4-BE49-F238E27FC236}">
+                <a16:creationId xmlns:a16="http://schemas.microsoft.com/office/drawing/2014/main" id="{D4545B42-7E13-49CF-0515-7BEF54FF2038}"/>
+              </a:ext>
+            </a:extLst>
+          </p:cNvPr>
+          <p:cNvSpPr/>
+          <p:nvPr/>
+        </p:nvSpPr>
+        <p:spPr>
+          <a:xfrm>
+            <a:off x="2068945" y="5310909"/>
+            <a:ext cx="2262909" cy="286319"/>
+          </a:xfrm>
+          <a:prstGeom prst="rightArrow">
+            <a:avLst/>
+          </a:prstGeom>
+        </p:spPr>
+        <p:style>
+          <a:lnRef idx="2">
+            <a:schemeClr val="accent1">
+              <a:shade val="50000"/>
+            </a:schemeClr>
+          </a:lnRef>
+          <a:fillRef idx="1">
+            <a:schemeClr val="accent1"/>
+          </a:fillRef>
+          <a:effectRef idx="0">
+            <a:schemeClr val="accent1"/>
+          </a:effectRef>
+          <a:fontRef idx="minor">
+            <a:schemeClr val="lt1"/>
+          </a:fontRef>
+        </p:style>
+        <p:txBody>
+          <a:bodyPr rtlCol="0" anchor="ctr"/>
+          <a:lstStyle/>
+          <a:p>
+            <a:pPr algn="ctr"/>
+            <a:endParaRPr lang="zh-CN" altLang="en-US" b="1"/>
+          </a:p>
+        </p:txBody>
+      </p:sp>
+      <p:sp>
+        <p:nvSpPr>
+          <p:cNvPr id="13" name="箭头: 左 12">
+            <a:extLst>
+              <a:ext uri="{FF2B5EF4-FFF2-40B4-BE49-F238E27FC236}">
+                <a16:creationId xmlns:a16="http://schemas.microsoft.com/office/drawing/2014/main" id="{C66F33EF-AFB0-9356-8A2D-D9DD66CE052D}"/>
+              </a:ext>
+            </a:extLst>
+          </p:cNvPr>
+          <p:cNvSpPr/>
+          <p:nvPr/>
+        </p:nvSpPr>
+        <p:spPr>
+          <a:xfrm>
+            <a:off x="4368800" y="5310909"/>
+            <a:ext cx="2327564" cy="300182"/>
+          </a:xfrm>
+          <a:prstGeom prst="leftArrow">
+            <a:avLst/>
+          </a:prstGeom>
+        </p:spPr>
+        <p:style>
+          <a:lnRef idx="2">
+            <a:schemeClr val="accent1">
+              <a:shade val="50000"/>
+            </a:schemeClr>
+          </a:lnRef>
+          <a:fillRef idx="1">
+            <a:schemeClr val="accent1"/>
+          </a:fillRef>
+          <a:effectRef idx="0">
+            <a:schemeClr val="accent1"/>
+          </a:effectRef>
+          <a:fontRef idx="minor">
+            <a:schemeClr val="lt1"/>
+          </a:fontRef>
+        </p:style>
+        <p:txBody>
+          <a:bodyPr rtlCol="0" anchor="ctr"/>
+          <a:lstStyle/>
+          <a:p>
+            <a:pPr algn="ctr"/>
+            <a:endParaRPr lang="zh-CN" altLang="en-US" b="1"/>
+          </a:p>
+        </p:txBody>
+      </p:sp>
+      <p:sp>
+        <p:nvSpPr>
+          <p:cNvPr id="14" name="文本框 13">
+            <a:extLst>
+              <a:ext uri="{FF2B5EF4-FFF2-40B4-BE49-F238E27FC236}">
+                <a16:creationId xmlns:a16="http://schemas.microsoft.com/office/drawing/2014/main" id="{7F218047-240D-91B4-BEC0-5DF150D49395}"/>
+              </a:ext>
+            </a:extLst>
+          </p:cNvPr>
+          <p:cNvSpPr txBox="1"/>
+          <p:nvPr/>
+        </p:nvSpPr>
+        <p:spPr>
+          <a:xfrm>
+            <a:off x="6133160" y="5735781"/>
+            <a:ext cx="646331" cy="369332"/>
+          </a:xfrm>
+          <a:prstGeom prst="rect">
+            <a:avLst/>
+          </a:prstGeom>
+          <a:noFill/>
+        </p:spPr>
+        <p:txBody>
+          <a:bodyPr wrap="none" rtlCol="0">
+            <a:spAutoFit/>
+          </a:bodyPr>
+          <a:lstStyle/>
+          <a:p>
+            <a:r>
+              <a:rPr lang="zh-CN" altLang="en-US" b="1" dirty="0"/>
+              <a:t>低频</a:t>
+            </a:r>
+          </a:p>
+        </p:txBody>
+      </p:sp>
+      <p:sp>
+        <p:nvSpPr>
+          <p:cNvPr id="15" name="文本框 14">
+            <a:extLst>
+              <a:ext uri="{FF2B5EF4-FFF2-40B4-BE49-F238E27FC236}">
+                <a16:creationId xmlns:a16="http://schemas.microsoft.com/office/drawing/2014/main" id="{23B8E0B3-3449-5DFD-4EA5-61E936055A0B}"/>
+              </a:ext>
+            </a:extLst>
+          </p:cNvPr>
+          <p:cNvSpPr txBox="1"/>
+          <p:nvPr/>
+        </p:nvSpPr>
+        <p:spPr>
+          <a:xfrm>
+            <a:off x="3750178" y="5735781"/>
+            <a:ext cx="646331" cy="369332"/>
+          </a:xfrm>
+          <a:prstGeom prst="rect">
+            <a:avLst/>
+          </a:prstGeom>
+          <a:noFill/>
+        </p:spPr>
+        <p:txBody>
+          <a:bodyPr wrap="none" rtlCol="0">
+            <a:spAutoFit/>
+          </a:bodyPr>
+          <a:lstStyle/>
+          <a:p>
+            <a:r>
+              <a:rPr lang="zh-CN" altLang="en-US" b="1" dirty="0"/>
+              <a:t>高频</a:t>
+            </a:r>
+          </a:p>
+        </p:txBody>
+      </p:sp>
+      <p:sp>
+        <p:nvSpPr>
+          <p:cNvPr id="16" name="文本框 15">
+            <a:extLst>
+              <a:ext uri="{FF2B5EF4-FFF2-40B4-BE49-F238E27FC236}">
+                <a16:creationId xmlns:a16="http://schemas.microsoft.com/office/drawing/2014/main" id="{E21379AD-D5A4-3671-3952-C369B884F204}"/>
+              </a:ext>
+            </a:extLst>
+          </p:cNvPr>
+          <p:cNvSpPr txBox="1"/>
+          <p:nvPr/>
+        </p:nvSpPr>
+        <p:spPr>
+          <a:xfrm>
+            <a:off x="2013528" y="5735781"/>
+            <a:ext cx="646331" cy="369332"/>
+          </a:xfrm>
+          <a:prstGeom prst="rect">
+            <a:avLst/>
+          </a:prstGeom>
+          <a:noFill/>
+        </p:spPr>
+        <p:txBody>
+          <a:bodyPr wrap="none" rtlCol="0">
+            <a:spAutoFit/>
+          </a:bodyPr>
+          <a:lstStyle/>
+          <a:p>
+            <a:r>
+              <a:rPr lang="zh-CN" altLang="en-US" b="1" dirty="0"/>
+              <a:t>低频</a:t>
+            </a:r>
+          </a:p>
+        </p:txBody>
+      </p:sp>
+      <p:sp>
+        <p:nvSpPr>
+          <p:cNvPr id="17" name="文本框 16">
+            <a:extLst>
+              <a:ext uri="{FF2B5EF4-FFF2-40B4-BE49-F238E27FC236}">
+                <a16:creationId xmlns:a16="http://schemas.microsoft.com/office/drawing/2014/main" id="{B9E1EBC3-D553-98DA-AFDF-8AC4FA39D19F}"/>
+              </a:ext>
+            </a:extLst>
+          </p:cNvPr>
+          <p:cNvSpPr txBox="1"/>
+          <p:nvPr/>
+        </p:nvSpPr>
+        <p:spPr>
+          <a:xfrm>
+            <a:off x="4719780" y="5735781"/>
+            <a:ext cx="646331" cy="369332"/>
+          </a:xfrm>
+          <a:prstGeom prst="rect">
+            <a:avLst/>
+          </a:prstGeom>
+          <a:noFill/>
+        </p:spPr>
+        <p:txBody>
+          <a:bodyPr wrap="none" rtlCol="0">
+            <a:spAutoFit/>
+          </a:bodyPr>
+          <a:lstStyle/>
+          <a:p>
+            <a:r>
+              <a:rPr lang="zh-CN" altLang="en-US" b="1" dirty="0"/>
+              <a:t>高频</a:t>
+            </a:r>
+          </a:p>
+        </p:txBody>
+      </p:sp>
+      <p:grpSp>
+        <p:nvGrpSpPr>
+          <p:cNvPr id="20" name="组合 19">
+            <a:extLst>
+              <a:ext uri="{FF2B5EF4-FFF2-40B4-BE49-F238E27FC236}">
+                <a16:creationId xmlns:a16="http://schemas.microsoft.com/office/drawing/2014/main" id="{3B2008B6-8592-B630-01FE-77B964E2B42B}"/>
+              </a:ext>
+            </a:extLst>
+          </p:cNvPr>
+          <p:cNvGrpSpPr/>
+          <p:nvPr/>
+        </p:nvGrpSpPr>
+        <p:grpSpPr>
+          <a:xfrm rot="5400000">
+            <a:off x="-354982" y="2962564"/>
+            <a:ext cx="3288147" cy="300182"/>
+            <a:chOff x="198582" y="3133437"/>
+            <a:chExt cx="4627421" cy="300182"/>
+          </a:xfrm>
+        </p:grpSpPr>
+        <p:sp>
+          <p:nvSpPr>
+            <p:cNvPr id="18" name="箭头: 右 17">
+              <a:extLst>
+                <a:ext uri="{FF2B5EF4-FFF2-40B4-BE49-F238E27FC236}">
+                  <a16:creationId xmlns:a16="http://schemas.microsoft.com/office/drawing/2014/main" id="{A4FE9197-CD5F-20AB-37CF-F0F7933BA1D4}"/>
+                </a:ext>
+              </a:extLst>
+            </p:cNvPr>
+            <p:cNvSpPr/>
+            <p:nvPr/>
+          </p:nvSpPr>
+          <p:spPr>
+            <a:xfrm>
+              <a:off x="198582" y="3133437"/>
+              <a:ext cx="2262909" cy="286319"/>
+            </a:xfrm>
+            <a:prstGeom prst="rightArrow">
+              <a:avLst/>
+            </a:prstGeom>
+          </p:spPr>
+          <p:style>
+            <a:lnRef idx="2">
+              <a:schemeClr val="accent1">
+                <a:shade val="50000"/>
+              </a:schemeClr>
+            </a:lnRef>
+            <a:fillRef idx="1">
+              <a:schemeClr val="accent1"/>
+            </a:fillRef>
+            <a:effectRef idx="0">
+              <a:schemeClr val="accent1"/>
+            </a:effectRef>
+            <a:fontRef idx="minor">
+              <a:schemeClr val="lt1"/>
+            </a:fontRef>
+          </p:style>
+          <p:txBody>
+            <a:bodyPr rtlCol="0" anchor="ctr"/>
+            <a:lstStyle/>
+            <a:p>
+              <a:pPr algn="ctr"/>
+              <a:endParaRPr lang="zh-CN" altLang="en-US" b="1"/>
+            </a:p>
+          </p:txBody>
+        </p:sp>
+        <p:sp>
+          <p:nvSpPr>
+            <p:cNvPr id="19" name="箭头: 左 18">
+              <a:extLst>
+                <a:ext uri="{FF2B5EF4-FFF2-40B4-BE49-F238E27FC236}">
+                  <a16:creationId xmlns:a16="http://schemas.microsoft.com/office/drawing/2014/main" id="{A70FAD97-BE1C-A1E7-71D7-6D4DD73B8A2E}"/>
+                </a:ext>
+              </a:extLst>
+            </p:cNvPr>
+            <p:cNvSpPr/>
+            <p:nvPr/>
+          </p:nvSpPr>
+          <p:spPr>
+            <a:xfrm>
+              <a:off x="2563097" y="3133437"/>
+              <a:ext cx="2262906" cy="300182"/>
+            </a:xfrm>
+            <a:prstGeom prst="leftArrow">
+              <a:avLst/>
+            </a:prstGeom>
+          </p:spPr>
+          <p:style>
+            <a:lnRef idx="2">
+              <a:schemeClr val="accent1">
+                <a:shade val="50000"/>
+              </a:schemeClr>
+            </a:lnRef>
+            <a:fillRef idx="1">
+              <a:schemeClr val="accent1"/>
+            </a:fillRef>
+            <a:effectRef idx="0">
+              <a:schemeClr val="accent1"/>
+            </a:effectRef>
+            <a:fontRef idx="minor">
+              <a:schemeClr val="lt1"/>
+            </a:fontRef>
+          </p:style>
+          <p:txBody>
+            <a:bodyPr rtlCol="0" anchor="ctr"/>
+            <a:lstStyle/>
+            <a:p>
+              <a:pPr algn="ctr"/>
+              <a:endParaRPr lang="zh-CN" altLang="en-US" b="1"/>
+            </a:p>
+          </p:txBody>
+        </p:sp>
+      </p:grpSp>
+      <p:sp>
+        <p:nvSpPr>
+          <p:cNvPr id="21" name="文本框 20">
+            <a:extLst>
+              <a:ext uri="{FF2B5EF4-FFF2-40B4-BE49-F238E27FC236}">
+                <a16:creationId xmlns:a16="http://schemas.microsoft.com/office/drawing/2014/main" id="{306A460D-0506-F29C-A092-96E934B9372A}"/>
+              </a:ext>
+            </a:extLst>
+          </p:cNvPr>
+          <p:cNvSpPr txBox="1"/>
+          <p:nvPr/>
+        </p:nvSpPr>
+        <p:spPr>
+          <a:xfrm>
+            <a:off x="479860" y="1468581"/>
+            <a:ext cx="646331" cy="369332"/>
+          </a:xfrm>
+          <a:prstGeom prst="rect">
+            <a:avLst/>
+          </a:prstGeom>
+          <a:noFill/>
+        </p:spPr>
+        <p:txBody>
+          <a:bodyPr wrap="none" rtlCol="0">
+            <a:spAutoFit/>
+          </a:bodyPr>
+          <a:lstStyle/>
+          <a:p>
+            <a:r>
+              <a:rPr lang="zh-CN" altLang="en-US" b="1" dirty="0"/>
+              <a:t>低频</a:t>
+            </a:r>
+          </a:p>
+        </p:txBody>
+      </p:sp>
+      <p:sp>
+        <p:nvSpPr>
+          <p:cNvPr id="22" name="文本框 21">
+            <a:extLst>
+              <a:ext uri="{FF2B5EF4-FFF2-40B4-BE49-F238E27FC236}">
+                <a16:creationId xmlns:a16="http://schemas.microsoft.com/office/drawing/2014/main" id="{576E8E02-ED7E-7072-BB55-369A4029D46A}"/>
+              </a:ext>
+            </a:extLst>
+          </p:cNvPr>
+          <p:cNvSpPr txBox="1"/>
+          <p:nvPr/>
+        </p:nvSpPr>
+        <p:spPr>
+          <a:xfrm>
+            <a:off x="473198" y="3356747"/>
+            <a:ext cx="646331" cy="369332"/>
+          </a:xfrm>
+          <a:prstGeom prst="rect">
+            <a:avLst/>
+          </a:prstGeom>
+          <a:noFill/>
+        </p:spPr>
+        <p:txBody>
+          <a:bodyPr wrap="none" rtlCol="0">
+            <a:spAutoFit/>
+          </a:bodyPr>
+          <a:lstStyle/>
+          <a:p>
+            <a:r>
+              <a:rPr lang="zh-CN" altLang="en-US" b="1" dirty="0"/>
+              <a:t>高频</a:t>
+            </a:r>
+          </a:p>
+        </p:txBody>
+      </p:sp>
+      <p:sp>
+        <p:nvSpPr>
+          <p:cNvPr id="23" name="文本框 22">
+            <a:extLst>
+              <a:ext uri="{FF2B5EF4-FFF2-40B4-BE49-F238E27FC236}">
+                <a16:creationId xmlns:a16="http://schemas.microsoft.com/office/drawing/2014/main" id="{B3661731-5333-D15E-CB88-410DAF06BBA9}"/>
+              </a:ext>
+            </a:extLst>
+          </p:cNvPr>
+          <p:cNvSpPr txBox="1"/>
+          <p:nvPr/>
+        </p:nvSpPr>
+        <p:spPr>
+          <a:xfrm>
+            <a:off x="492670" y="4415044"/>
+            <a:ext cx="646331" cy="369332"/>
+          </a:xfrm>
+          <a:prstGeom prst="rect">
+            <a:avLst/>
+          </a:prstGeom>
+          <a:noFill/>
+        </p:spPr>
+        <p:txBody>
+          <a:bodyPr wrap="none" rtlCol="0">
+            <a:spAutoFit/>
+          </a:bodyPr>
+          <a:lstStyle/>
+          <a:p>
+            <a:r>
+              <a:rPr lang="zh-CN" altLang="en-US" b="1" dirty="0"/>
+              <a:t>低频</a:t>
+            </a:r>
+          </a:p>
+        </p:txBody>
+      </p:sp>
+      <p:sp>
+        <p:nvSpPr>
+          <p:cNvPr id="24" name="文本框 23">
+            <a:extLst>
+              <a:ext uri="{FF2B5EF4-FFF2-40B4-BE49-F238E27FC236}">
+                <a16:creationId xmlns:a16="http://schemas.microsoft.com/office/drawing/2014/main" id="{8D659D95-DF2B-B38D-2AA0-F9F7E8641422}"/>
+              </a:ext>
+            </a:extLst>
+          </p:cNvPr>
+          <p:cNvSpPr txBox="1"/>
+          <p:nvPr/>
+        </p:nvSpPr>
+        <p:spPr>
+          <a:xfrm>
+            <a:off x="473197" y="2743384"/>
+            <a:ext cx="646331" cy="369332"/>
+          </a:xfrm>
+          <a:prstGeom prst="rect">
+            <a:avLst/>
+          </a:prstGeom>
+          <a:noFill/>
+        </p:spPr>
+        <p:txBody>
+          <a:bodyPr wrap="none" rtlCol="0">
+            <a:spAutoFit/>
+          </a:bodyPr>
+          <a:lstStyle/>
+          <a:p>
+            <a:r>
+              <a:rPr lang="zh-CN" altLang="en-US" b="1" dirty="0"/>
+              <a:t>高频</a:t>
+            </a:r>
+          </a:p>
+        </p:txBody>
+      </p:sp>
+      <p:cxnSp>
+        <p:nvCxnSpPr>
+          <p:cNvPr id="26" name="直接连接符 25">
+            <a:extLst>
+              <a:ext uri="{FF2B5EF4-FFF2-40B4-BE49-F238E27FC236}">
+                <a16:creationId xmlns:a16="http://schemas.microsoft.com/office/drawing/2014/main" id="{C789E1F4-1540-E655-AC99-B6A84A954DB1}"/>
+              </a:ext>
+            </a:extLst>
+          </p:cNvPr>
+          <p:cNvCxnSpPr>
+            <a:stCxn id="8" idx="1"/>
+            <a:endCxn id="8" idx="3"/>
+          </p:cNvCxnSpPr>
+          <p:nvPr/>
+        </p:nvCxnSpPr>
+        <p:spPr>
+          <a:xfrm>
+            <a:off x="1958109" y="3112654"/>
+            <a:ext cx="4821382" cy="0"/>
+          </a:xfrm>
+          <a:prstGeom prst="line">
+            <a:avLst/>
+          </a:prstGeom>
+          <a:ln w="38100">
+            <a:solidFill>
+              <a:schemeClr val="bg1"/>
+            </a:solidFill>
+            <a:prstDash val="sysDash"/>
+          </a:ln>
+        </p:spPr>
+        <p:style>
+          <a:lnRef idx="1">
+            <a:schemeClr val="accent1"/>
+          </a:lnRef>
+          <a:fillRef idx="0">
+            <a:schemeClr val="accent1"/>
+          </a:fillRef>
+          <a:effectRef idx="0">
+            <a:schemeClr val="accent1"/>
+          </a:effectRef>
+          <a:fontRef idx="minor">
+            <a:schemeClr val="tx1"/>
+          </a:fontRef>
+        </p:style>
+      </p:cxnSp>
+      <p:cxnSp>
+        <p:nvCxnSpPr>
+          <p:cNvPr id="27" name="直接连接符 26">
+            <a:extLst>
+              <a:ext uri="{FF2B5EF4-FFF2-40B4-BE49-F238E27FC236}">
+                <a16:creationId xmlns:a16="http://schemas.microsoft.com/office/drawing/2014/main" id="{7437503A-E144-E8AA-23E8-576EC49507C3}"/>
+              </a:ext>
+            </a:extLst>
+          </p:cNvPr>
+          <p:cNvCxnSpPr>
+            <a:cxnSpLocks/>
+            <a:stCxn id="8" idx="2"/>
+          </p:cNvCxnSpPr>
+          <p:nvPr/>
+        </p:nvCxnSpPr>
+        <p:spPr>
+          <a:xfrm flipV="1">
+            <a:off x="4368800" y="1468581"/>
+            <a:ext cx="0" cy="3288145"/>
+          </a:xfrm>
+          <a:prstGeom prst="line">
+            <a:avLst/>
+          </a:prstGeom>
+          <a:ln w="38100">
+            <a:solidFill>
+              <a:schemeClr val="bg1"/>
+            </a:solidFill>
+            <a:prstDash val="sysDash"/>
+          </a:ln>
+        </p:spPr>
+        <p:style>
+          <a:lnRef idx="1">
+            <a:schemeClr val="accent1"/>
+          </a:lnRef>
+          <a:fillRef idx="0">
+            <a:schemeClr val="accent1"/>
+          </a:fillRef>
+          <a:effectRef idx="0">
+            <a:schemeClr val="accent1"/>
+          </a:effectRef>
+          <a:fontRef idx="minor">
+            <a:schemeClr val="tx1"/>
+          </a:fontRef>
+        </p:style>
+      </p:cxnSp>
+      <p:sp>
+        <p:nvSpPr>
+          <p:cNvPr id="31" name="文本框 30">
+            <a:extLst>
+              <a:ext uri="{FF2B5EF4-FFF2-40B4-BE49-F238E27FC236}">
+                <a16:creationId xmlns:a16="http://schemas.microsoft.com/office/drawing/2014/main" id="{C2E8C3B1-271C-51F4-9E36-6745978D247F}"/>
+              </a:ext>
+            </a:extLst>
+          </p:cNvPr>
+          <p:cNvSpPr txBox="1"/>
+          <p:nvPr/>
+        </p:nvSpPr>
+        <p:spPr>
+          <a:xfrm>
+            <a:off x="3663154" y="3207388"/>
+            <a:ext cx="646331" cy="369332"/>
+          </a:xfrm>
+          <a:prstGeom prst="rect">
+            <a:avLst/>
+          </a:prstGeom>
+          <a:noFill/>
+        </p:spPr>
+        <p:txBody>
+          <a:bodyPr wrap="none" rtlCol="0">
+            <a:spAutoFit/>
+          </a:bodyPr>
+          <a:lstStyle/>
+          <a:p>
+            <a:r>
+              <a:rPr lang="zh-CN" altLang="en-US" b="1" dirty="0"/>
+              <a:t>高频</a:t>
+            </a:r>
+          </a:p>
+        </p:txBody>
+      </p:sp>
+      <p:sp>
+        <p:nvSpPr>
+          <p:cNvPr id="32" name="文本框 31">
+            <a:extLst>
+              <a:ext uri="{FF2B5EF4-FFF2-40B4-BE49-F238E27FC236}">
+                <a16:creationId xmlns:a16="http://schemas.microsoft.com/office/drawing/2014/main" id="{70AC943E-2BF1-4ADB-C743-9911AAF0F512}"/>
+              </a:ext>
+            </a:extLst>
+          </p:cNvPr>
+          <p:cNvSpPr txBox="1"/>
+          <p:nvPr/>
+        </p:nvSpPr>
+        <p:spPr>
+          <a:xfrm>
+            <a:off x="4368800" y="3200521"/>
+            <a:ext cx="646331" cy="369332"/>
+          </a:xfrm>
+          <a:prstGeom prst="rect">
+            <a:avLst/>
+          </a:prstGeom>
+          <a:noFill/>
+        </p:spPr>
+        <p:txBody>
+          <a:bodyPr wrap="none" rtlCol="0">
+            <a:spAutoFit/>
+          </a:bodyPr>
+          <a:lstStyle/>
+          <a:p>
+            <a:r>
+              <a:rPr lang="zh-CN" altLang="en-US" b="1" dirty="0"/>
+              <a:t>高频</a:t>
+            </a:r>
+          </a:p>
+        </p:txBody>
+      </p:sp>
+      <p:sp>
+        <p:nvSpPr>
+          <p:cNvPr id="33" name="文本框 32">
+            <a:extLst>
+              <a:ext uri="{FF2B5EF4-FFF2-40B4-BE49-F238E27FC236}">
+                <a16:creationId xmlns:a16="http://schemas.microsoft.com/office/drawing/2014/main" id="{B7ABE207-D940-68D8-F8E6-A24568989C8B}"/>
+              </a:ext>
+            </a:extLst>
+          </p:cNvPr>
+          <p:cNvSpPr txBox="1"/>
+          <p:nvPr/>
+        </p:nvSpPr>
+        <p:spPr>
+          <a:xfrm>
+            <a:off x="4405747" y="2646310"/>
+            <a:ext cx="646331" cy="369332"/>
+          </a:xfrm>
+          <a:prstGeom prst="rect">
+            <a:avLst/>
+          </a:prstGeom>
+          <a:noFill/>
+        </p:spPr>
+        <p:txBody>
+          <a:bodyPr wrap="none" rtlCol="0">
+            <a:spAutoFit/>
+          </a:bodyPr>
+          <a:lstStyle/>
+          <a:p>
+            <a:r>
+              <a:rPr lang="zh-CN" altLang="en-US" b="1" dirty="0"/>
+              <a:t>高频</a:t>
+            </a:r>
+          </a:p>
+        </p:txBody>
+      </p:sp>
+      <p:sp>
+        <p:nvSpPr>
+          <p:cNvPr id="34" name="文本框 33">
+            <a:extLst>
+              <a:ext uri="{FF2B5EF4-FFF2-40B4-BE49-F238E27FC236}">
+                <a16:creationId xmlns:a16="http://schemas.microsoft.com/office/drawing/2014/main" id="{4B89CBDA-41DE-EECB-0ECF-5A432F94D2C9}"/>
+              </a:ext>
+            </a:extLst>
+          </p:cNvPr>
+          <p:cNvSpPr txBox="1"/>
+          <p:nvPr/>
+        </p:nvSpPr>
+        <p:spPr>
+          <a:xfrm>
+            <a:off x="3685523" y="2664810"/>
+            <a:ext cx="646331" cy="369332"/>
+          </a:xfrm>
+          <a:prstGeom prst="rect">
+            <a:avLst/>
+          </a:prstGeom>
+          <a:noFill/>
+        </p:spPr>
+        <p:txBody>
+          <a:bodyPr wrap="none" rtlCol="0">
+            <a:spAutoFit/>
+          </a:bodyPr>
+          <a:lstStyle/>
+          <a:p>
+            <a:r>
+              <a:rPr lang="zh-CN" altLang="en-US" b="1" dirty="0"/>
+              <a:t>高频</a:t>
+            </a:r>
+          </a:p>
+        </p:txBody>
+      </p:sp>
+      <p:sp>
+        <p:nvSpPr>
+          <p:cNvPr id="35" name="文本框 34">
+            <a:extLst>
+              <a:ext uri="{FF2B5EF4-FFF2-40B4-BE49-F238E27FC236}">
+                <a16:creationId xmlns:a16="http://schemas.microsoft.com/office/drawing/2014/main" id="{E7414BA8-ECC8-59E3-F7AC-A03B52EA4C02}"/>
+              </a:ext>
+            </a:extLst>
+          </p:cNvPr>
+          <p:cNvSpPr txBox="1"/>
+          <p:nvPr/>
+        </p:nvSpPr>
+        <p:spPr>
+          <a:xfrm>
+            <a:off x="1916867" y="4355126"/>
+            <a:ext cx="646331" cy="369332"/>
+          </a:xfrm>
+          <a:prstGeom prst="rect">
+            <a:avLst/>
+          </a:prstGeom>
+          <a:noFill/>
+        </p:spPr>
+        <p:txBody>
+          <a:bodyPr wrap="none" rtlCol="0">
+            <a:spAutoFit/>
+          </a:bodyPr>
+          <a:lstStyle/>
+          <a:p>
+            <a:r>
+              <a:rPr lang="zh-CN" altLang="en-US" b="1" dirty="0"/>
+              <a:t>低频</a:t>
+            </a:r>
+          </a:p>
+        </p:txBody>
+      </p:sp>
+      <p:sp>
+        <p:nvSpPr>
+          <p:cNvPr id="36" name="文本框 35">
+            <a:extLst>
+              <a:ext uri="{FF2B5EF4-FFF2-40B4-BE49-F238E27FC236}">
+                <a16:creationId xmlns:a16="http://schemas.microsoft.com/office/drawing/2014/main" id="{B435D172-0E18-3660-7856-D7E6EC92477F}"/>
+              </a:ext>
+            </a:extLst>
+          </p:cNvPr>
+          <p:cNvSpPr txBox="1"/>
+          <p:nvPr/>
+        </p:nvSpPr>
+        <p:spPr>
+          <a:xfrm>
+            <a:off x="1958109" y="1487233"/>
+            <a:ext cx="646331" cy="369332"/>
+          </a:xfrm>
+          <a:prstGeom prst="rect">
+            <a:avLst/>
+          </a:prstGeom>
+          <a:noFill/>
+        </p:spPr>
+        <p:txBody>
+          <a:bodyPr wrap="none" rtlCol="0">
+            <a:spAutoFit/>
+          </a:bodyPr>
+          <a:lstStyle/>
+          <a:p>
+            <a:r>
+              <a:rPr lang="zh-CN" altLang="en-US" b="1" dirty="0"/>
+              <a:t>低频</a:t>
+            </a:r>
+          </a:p>
+        </p:txBody>
+      </p:sp>
+      <p:sp>
+        <p:nvSpPr>
+          <p:cNvPr id="37" name="文本框 36">
+            <a:extLst>
+              <a:ext uri="{FF2B5EF4-FFF2-40B4-BE49-F238E27FC236}">
+                <a16:creationId xmlns:a16="http://schemas.microsoft.com/office/drawing/2014/main" id="{C8E64004-E9EA-BA03-1D09-938BECDC51BF}"/>
+              </a:ext>
+            </a:extLst>
+          </p:cNvPr>
+          <p:cNvSpPr txBox="1"/>
+          <p:nvPr/>
+        </p:nvSpPr>
+        <p:spPr>
+          <a:xfrm>
+            <a:off x="6135936" y="1514701"/>
+            <a:ext cx="646331" cy="369332"/>
+          </a:xfrm>
+          <a:prstGeom prst="rect">
+            <a:avLst/>
+          </a:prstGeom>
+          <a:noFill/>
+        </p:spPr>
+        <p:txBody>
+          <a:bodyPr wrap="none" rtlCol="0">
+            <a:spAutoFit/>
+          </a:bodyPr>
+          <a:lstStyle/>
+          <a:p>
+            <a:r>
+              <a:rPr lang="zh-CN" altLang="en-US" b="1" dirty="0"/>
+              <a:t>低频</a:t>
+            </a:r>
+          </a:p>
+        </p:txBody>
+      </p:sp>
+      <p:sp>
+        <p:nvSpPr>
+          <p:cNvPr id="38" name="文本框 37">
+            <a:extLst>
+              <a:ext uri="{FF2B5EF4-FFF2-40B4-BE49-F238E27FC236}">
+                <a16:creationId xmlns:a16="http://schemas.microsoft.com/office/drawing/2014/main" id="{6C1C5036-22F3-8722-8756-2C4804712DCC}"/>
+              </a:ext>
+            </a:extLst>
+          </p:cNvPr>
+          <p:cNvSpPr txBox="1"/>
+          <p:nvPr/>
+        </p:nvSpPr>
+        <p:spPr>
+          <a:xfrm>
+            <a:off x="6149684" y="4378339"/>
+            <a:ext cx="646331" cy="369332"/>
+          </a:xfrm>
+          <a:prstGeom prst="rect">
+            <a:avLst/>
+          </a:prstGeom>
+          <a:noFill/>
+        </p:spPr>
+        <p:txBody>
+          <a:bodyPr wrap="none" rtlCol="0">
+            <a:spAutoFit/>
+          </a:bodyPr>
+          <a:lstStyle/>
+          <a:p>
+            <a:r>
+              <a:rPr lang="zh-CN" altLang="en-US" b="1" dirty="0"/>
+              <a:t>低频</a:t>
+            </a:r>
+          </a:p>
+        </p:txBody>
+      </p:sp>
+      <p:sp>
+        <p:nvSpPr>
+          <p:cNvPr id="39" name="文本框 38">
+            <a:extLst>
+              <a:ext uri="{FF2B5EF4-FFF2-40B4-BE49-F238E27FC236}">
+                <a16:creationId xmlns:a16="http://schemas.microsoft.com/office/drawing/2014/main" id="{0927CE42-AE25-B646-FB85-90DCFDD93C67}"/>
+              </a:ext>
+            </a:extLst>
+          </p:cNvPr>
+          <p:cNvSpPr txBox="1"/>
+          <p:nvPr/>
+        </p:nvSpPr>
+        <p:spPr>
+          <a:xfrm>
+            <a:off x="707785" y="545251"/>
+            <a:ext cx="5955476" cy="369332"/>
+          </a:xfrm>
+          <a:prstGeom prst="rect">
+            <a:avLst/>
+          </a:prstGeom>
+          <a:noFill/>
+        </p:spPr>
+        <p:txBody>
+          <a:bodyPr wrap="none" rtlCol="0">
+            <a:spAutoFit/>
+          </a:bodyPr>
+          <a:lstStyle/>
+          <a:p>
+            <a:r>
+              <a:rPr lang="zh-CN" altLang="en-US" b="1" dirty="0"/>
+              <a:t>如果对图像傅里叶变换不做平移变化所显示的频谱图分布</a:t>
+            </a:r>
+          </a:p>
+        </p:txBody>
+      </p:sp>
+    </p:spTree>
+    <p:extLst>
+      <p:ext uri="{BB962C8B-B14F-4D97-AF65-F5344CB8AC3E}">
+        <p14:creationId xmlns:p14="http://schemas.microsoft.com/office/powerpoint/2010/main" val="2320971191"/>
+      </p:ext>
+    </p:extLst>
+  </p:cSld>
+  <p:clrMapOvr>
+    <a:masterClrMapping/>
+  </p:clrMapOvr>
+</p:sld>
+</file>
+
+<file path=ppt/slides/slide3.xml><?xml version="1.0" encoding="utf-8"?>
+<p:sld xmlns:a="http://schemas.openxmlformats.org/drawingml/2006/main" xmlns:r="http://schemas.openxmlformats.org/officeDocument/2006/relationships" xmlns:p="http://schemas.openxmlformats.org/presentationml/2006/main">
+  <p:cSld>
+    <p:spTree>
+      <p:nvGrpSpPr>
+        <p:cNvPr id="1" name=""/>
+        <p:cNvGrpSpPr/>
+        <p:nvPr/>
+      </p:nvGrpSpPr>
+      <p:grpSpPr>
+        <a:xfrm>
+          <a:off x="0" y="0"/>
+          <a:ext cx="0" cy="0"/>
+          <a:chOff x="0" y="0"/>
+          <a:chExt cx="0" cy="0"/>
+        </a:xfrm>
+      </p:grpSpPr>
+      <p:sp>
+        <p:nvSpPr>
+          <p:cNvPr id="2" name="矩形 1">
+            <a:extLst>
+              <a:ext uri="{FF2B5EF4-FFF2-40B4-BE49-F238E27FC236}">
+                <a16:creationId xmlns:a16="http://schemas.microsoft.com/office/drawing/2014/main" id="{F9871CBF-80AF-24F3-B85C-876D33ED2612}"/>
+              </a:ext>
+            </a:extLst>
+          </p:cNvPr>
+          <p:cNvSpPr/>
+          <p:nvPr/>
+        </p:nvSpPr>
+        <p:spPr>
+          <a:xfrm>
+            <a:off x="1801091" y="1533236"/>
+            <a:ext cx="4821382" cy="3288145"/>
+          </a:xfrm>
+          <a:prstGeom prst="rect">
+            <a:avLst/>
+          </a:prstGeom>
+        </p:spPr>
+        <p:style>
+          <a:lnRef idx="2">
+            <a:schemeClr val="accent1">
+              <a:shade val="50000"/>
+            </a:schemeClr>
+          </a:lnRef>
+          <a:fillRef idx="1">
+            <a:schemeClr val="accent1"/>
+          </a:fillRef>
+          <a:effectRef idx="0">
+            <a:schemeClr val="accent1"/>
+          </a:effectRef>
+          <a:fontRef idx="minor">
+            <a:schemeClr val="lt1"/>
+          </a:fontRef>
+        </p:style>
+        <p:txBody>
+          <a:bodyPr rtlCol="0" anchor="ctr"/>
+          <a:lstStyle/>
+          <a:p>
+            <a:pPr algn="ctr"/>
+            <a:endParaRPr lang="zh-CN" altLang="en-US" b="1"/>
+          </a:p>
+        </p:txBody>
+      </p:sp>
+      <p:cxnSp>
+        <p:nvCxnSpPr>
+          <p:cNvPr id="3" name="直接箭头连接符 2">
+            <a:extLst>
+              <a:ext uri="{FF2B5EF4-FFF2-40B4-BE49-F238E27FC236}">
+                <a16:creationId xmlns:a16="http://schemas.microsoft.com/office/drawing/2014/main" id="{BAE1AA07-0046-0AC9-5C30-2872F5008B5F}"/>
+              </a:ext>
+            </a:extLst>
+          </p:cNvPr>
+          <p:cNvCxnSpPr/>
+          <p:nvPr/>
+        </p:nvCxnSpPr>
+        <p:spPr>
+          <a:xfrm flipV="1">
+            <a:off x="1524000" y="1237673"/>
+            <a:ext cx="0" cy="4137891"/>
+          </a:xfrm>
+          <a:prstGeom prst="straightConnector1">
+            <a:avLst/>
+          </a:prstGeom>
+          <a:ln w="38100">
+            <a:tailEnd type="triangle"/>
+          </a:ln>
+        </p:spPr>
+        <p:style>
+          <a:lnRef idx="1">
+            <a:schemeClr val="accent1"/>
+          </a:lnRef>
+          <a:fillRef idx="0">
+            <a:schemeClr val="accent1"/>
+          </a:fillRef>
+          <a:effectRef idx="0">
+            <a:schemeClr val="accent1"/>
+          </a:effectRef>
+          <a:fontRef idx="minor">
+            <a:schemeClr val="tx1"/>
+          </a:fontRef>
+        </p:style>
+      </p:cxnSp>
+      <p:cxnSp>
+        <p:nvCxnSpPr>
+          <p:cNvPr id="4" name="直接箭头连接符 3">
+            <a:extLst>
+              <a:ext uri="{FF2B5EF4-FFF2-40B4-BE49-F238E27FC236}">
+                <a16:creationId xmlns:a16="http://schemas.microsoft.com/office/drawing/2014/main" id="{67AE746E-C42F-D82C-32B5-9E1007CE54CF}"/>
+              </a:ext>
+            </a:extLst>
+          </p:cNvPr>
+          <p:cNvCxnSpPr>
+            <a:cxnSpLocks/>
+          </p:cNvCxnSpPr>
+          <p:nvPr/>
+        </p:nvCxnSpPr>
+        <p:spPr>
+          <a:xfrm>
+            <a:off x="822036" y="5043055"/>
+            <a:ext cx="6151419" cy="0"/>
+          </a:xfrm>
+          <a:prstGeom prst="straightConnector1">
+            <a:avLst/>
+          </a:prstGeom>
+          <a:ln w="38100">
+            <a:tailEnd type="triangle"/>
+          </a:ln>
+        </p:spPr>
+        <p:style>
+          <a:lnRef idx="1">
+            <a:schemeClr val="accent1"/>
+          </a:lnRef>
+          <a:fillRef idx="0">
+            <a:schemeClr val="accent1"/>
+          </a:fillRef>
+          <a:effectRef idx="0">
+            <a:schemeClr val="accent1"/>
+          </a:effectRef>
+          <a:fontRef idx="minor">
+            <a:schemeClr val="tx1"/>
+          </a:fontRef>
+        </p:style>
+      </p:cxnSp>
+      <p:sp>
+        <p:nvSpPr>
+          <p:cNvPr id="5" name="文本框 4">
+            <a:extLst>
+              <a:ext uri="{FF2B5EF4-FFF2-40B4-BE49-F238E27FC236}">
+                <a16:creationId xmlns:a16="http://schemas.microsoft.com/office/drawing/2014/main" id="{99BC0316-5979-5EFD-14D2-08B644466463}"/>
+              </a:ext>
+            </a:extLst>
+          </p:cNvPr>
+          <p:cNvSpPr txBox="1"/>
+          <p:nvPr/>
+        </p:nvSpPr>
+        <p:spPr>
+          <a:xfrm>
+            <a:off x="6780934" y="5190898"/>
+            <a:ext cx="397866" cy="369332"/>
+          </a:xfrm>
+          <a:prstGeom prst="rect">
+            <a:avLst/>
+          </a:prstGeom>
+          <a:noFill/>
+        </p:spPr>
+        <p:txBody>
+          <a:bodyPr wrap="none" rtlCol="0">
+            <a:spAutoFit/>
+          </a:bodyPr>
+          <a:lstStyle/>
+          <a:p>
+            <a:r>
+              <a:rPr lang="en-US" altLang="zh-CN" b="1" dirty="0"/>
+              <a:t>M</a:t>
+            </a:r>
+            <a:endParaRPr lang="zh-CN" altLang="en-US" b="1" dirty="0"/>
+          </a:p>
+        </p:txBody>
+      </p:sp>
+      <p:sp>
+        <p:nvSpPr>
+          <p:cNvPr id="6" name="文本框 5">
+            <a:extLst>
+              <a:ext uri="{FF2B5EF4-FFF2-40B4-BE49-F238E27FC236}">
+                <a16:creationId xmlns:a16="http://schemas.microsoft.com/office/drawing/2014/main" id="{D4B2BAFB-A908-2351-AD04-929C22C6C69D}"/>
+              </a:ext>
+            </a:extLst>
+          </p:cNvPr>
+          <p:cNvSpPr txBox="1"/>
+          <p:nvPr/>
+        </p:nvSpPr>
+        <p:spPr>
+          <a:xfrm>
+            <a:off x="1132074" y="1163904"/>
+            <a:ext cx="360996" cy="369332"/>
+          </a:xfrm>
+          <a:prstGeom prst="rect">
+            <a:avLst/>
+          </a:prstGeom>
+          <a:noFill/>
+        </p:spPr>
+        <p:txBody>
+          <a:bodyPr wrap="none" rtlCol="0">
+            <a:spAutoFit/>
+          </a:bodyPr>
+          <a:lstStyle/>
+          <a:p>
+            <a:r>
+              <a:rPr lang="en-US" altLang="zh-CN" b="1" dirty="0"/>
+              <a:t>N</a:t>
+            </a:r>
+            <a:endParaRPr lang="zh-CN" altLang="en-US" b="1" dirty="0"/>
+          </a:p>
+        </p:txBody>
+      </p:sp>
+      <p:sp>
+        <p:nvSpPr>
+          <p:cNvPr id="7" name="箭头: 右 6">
+            <a:extLst>
+              <a:ext uri="{FF2B5EF4-FFF2-40B4-BE49-F238E27FC236}">
+                <a16:creationId xmlns:a16="http://schemas.microsoft.com/office/drawing/2014/main" id="{1FE82CBA-35F6-8888-BF19-A553B3EF453E}"/>
+              </a:ext>
+            </a:extLst>
+          </p:cNvPr>
+          <p:cNvSpPr/>
+          <p:nvPr/>
+        </p:nvSpPr>
+        <p:spPr>
+          <a:xfrm>
+            <a:off x="1911927" y="5375564"/>
+            <a:ext cx="2262909" cy="286319"/>
+          </a:xfrm>
+          <a:prstGeom prst="rightArrow">
+            <a:avLst/>
+          </a:prstGeom>
+        </p:spPr>
+        <p:style>
+          <a:lnRef idx="2">
+            <a:schemeClr val="accent1">
+              <a:shade val="50000"/>
+            </a:schemeClr>
+          </a:lnRef>
+          <a:fillRef idx="1">
+            <a:schemeClr val="accent1"/>
+          </a:fillRef>
+          <a:effectRef idx="0">
+            <a:schemeClr val="accent1"/>
+          </a:effectRef>
+          <a:fontRef idx="minor">
+            <a:schemeClr val="lt1"/>
+          </a:fontRef>
+        </p:style>
+        <p:txBody>
+          <a:bodyPr rtlCol="0" anchor="ctr"/>
+          <a:lstStyle/>
+          <a:p>
+            <a:pPr algn="ctr"/>
+            <a:endParaRPr lang="zh-CN" altLang="en-US" b="1"/>
+          </a:p>
+        </p:txBody>
+      </p:sp>
+      <p:sp>
+        <p:nvSpPr>
+          <p:cNvPr id="8" name="箭头: 左 7">
+            <a:extLst>
+              <a:ext uri="{FF2B5EF4-FFF2-40B4-BE49-F238E27FC236}">
+                <a16:creationId xmlns:a16="http://schemas.microsoft.com/office/drawing/2014/main" id="{6DAB0A6F-14BB-BB34-1236-53AD68C121FF}"/>
+              </a:ext>
+            </a:extLst>
+          </p:cNvPr>
+          <p:cNvSpPr/>
+          <p:nvPr/>
+        </p:nvSpPr>
+        <p:spPr>
+          <a:xfrm>
+            <a:off x="4276437" y="5375564"/>
+            <a:ext cx="2262909" cy="300182"/>
+          </a:xfrm>
+          <a:prstGeom prst="leftArrow">
+            <a:avLst/>
+          </a:prstGeom>
+        </p:spPr>
+        <p:style>
+          <a:lnRef idx="2">
+            <a:schemeClr val="accent1">
+              <a:shade val="50000"/>
+            </a:schemeClr>
+          </a:lnRef>
+          <a:fillRef idx="1">
+            <a:schemeClr val="accent1"/>
+          </a:fillRef>
+          <a:effectRef idx="0">
+            <a:schemeClr val="accent1"/>
+          </a:effectRef>
+          <a:fontRef idx="minor">
+            <a:schemeClr val="lt1"/>
+          </a:fontRef>
+        </p:style>
+        <p:txBody>
+          <a:bodyPr rtlCol="0" anchor="ctr"/>
+          <a:lstStyle/>
+          <a:p>
+            <a:pPr algn="ctr"/>
+            <a:endParaRPr lang="zh-CN" altLang="en-US" b="1"/>
+          </a:p>
+        </p:txBody>
+      </p:sp>
+      <p:sp>
+        <p:nvSpPr>
+          <p:cNvPr id="9" name="文本框 8">
+            <a:extLst>
+              <a:ext uri="{FF2B5EF4-FFF2-40B4-BE49-F238E27FC236}">
+                <a16:creationId xmlns:a16="http://schemas.microsoft.com/office/drawing/2014/main" id="{36256346-B918-3D61-08AB-1F88920EBDEB}"/>
+              </a:ext>
+            </a:extLst>
+          </p:cNvPr>
+          <p:cNvSpPr txBox="1"/>
+          <p:nvPr/>
+        </p:nvSpPr>
+        <p:spPr>
+          <a:xfrm>
+            <a:off x="4387488" y="5699144"/>
+            <a:ext cx="646331" cy="369332"/>
+          </a:xfrm>
+          <a:prstGeom prst="rect">
+            <a:avLst/>
+          </a:prstGeom>
+          <a:noFill/>
+        </p:spPr>
+        <p:txBody>
+          <a:bodyPr wrap="none" rtlCol="0">
+            <a:spAutoFit/>
+          </a:bodyPr>
+          <a:lstStyle/>
+          <a:p>
+            <a:r>
+              <a:rPr lang="zh-CN" altLang="en-US" b="1" dirty="0"/>
+              <a:t>低频</a:t>
+            </a:r>
+          </a:p>
+        </p:txBody>
+      </p:sp>
+      <p:sp>
+        <p:nvSpPr>
+          <p:cNvPr id="10" name="文本框 9">
+            <a:extLst>
+              <a:ext uri="{FF2B5EF4-FFF2-40B4-BE49-F238E27FC236}">
+                <a16:creationId xmlns:a16="http://schemas.microsoft.com/office/drawing/2014/main" id="{37D2D625-B526-1AD8-7BB3-19DBAB6371F8}"/>
+              </a:ext>
+            </a:extLst>
+          </p:cNvPr>
+          <p:cNvSpPr txBox="1"/>
+          <p:nvPr/>
+        </p:nvSpPr>
+        <p:spPr>
+          <a:xfrm>
+            <a:off x="1588761" y="5675746"/>
+            <a:ext cx="646331" cy="369332"/>
+          </a:xfrm>
+          <a:prstGeom prst="rect">
+            <a:avLst/>
+          </a:prstGeom>
+          <a:noFill/>
+        </p:spPr>
+        <p:txBody>
+          <a:bodyPr wrap="none" rtlCol="0">
+            <a:spAutoFit/>
+          </a:bodyPr>
+          <a:lstStyle/>
+          <a:p>
+            <a:r>
+              <a:rPr lang="zh-CN" altLang="en-US" b="1" dirty="0"/>
+              <a:t>高频</a:t>
+            </a:r>
+          </a:p>
+        </p:txBody>
+      </p:sp>
+      <p:sp>
+        <p:nvSpPr>
+          <p:cNvPr id="11" name="文本框 10">
+            <a:extLst>
+              <a:ext uri="{FF2B5EF4-FFF2-40B4-BE49-F238E27FC236}">
+                <a16:creationId xmlns:a16="http://schemas.microsoft.com/office/drawing/2014/main" id="{F3D5AE7D-8058-F8D0-1ED9-2D65B629111A}"/>
+              </a:ext>
+            </a:extLst>
+          </p:cNvPr>
+          <p:cNvSpPr txBox="1"/>
+          <p:nvPr/>
+        </p:nvSpPr>
+        <p:spPr>
+          <a:xfrm>
+            <a:off x="3593160" y="5699144"/>
+            <a:ext cx="646331" cy="369332"/>
+          </a:xfrm>
+          <a:prstGeom prst="rect">
+            <a:avLst/>
+          </a:prstGeom>
+          <a:noFill/>
+        </p:spPr>
+        <p:txBody>
+          <a:bodyPr wrap="none" rtlCol="0">
+            <a:spAutoFit/>
+          </a:bodyPr>
+          <a:lstStyle/>
+          <a:p>
+            <a:r>
+              <a:rPr lang="zh-CN" altLang="en-US" b="1" dirty="0"/>
+              <a:t>低频</a:t>
+            </a:r>
+          </a:p>
+        </p:txBody>
+      </p:sp>
+      <p:sp>
+        <p:nvSpPr>
+          <p:cNvPr id="12" name="文本框 11">
+            <a:extLst>
+              <a:ext uri="{FF2B5EF4-FFF2-40B4-BE49-F238E27FC236}">
+                <a16:creationId xmlns:a16="http://schemas.microsoft.com/office/drawing/2014/main" id="{33ABE77F-2A81-C514-43C2-759C74D4219B}"/>
+              </a:ext>
+            </a:extLst>
+          </p:cNvPr>
+          <p:cNvSpPr txBox="1"/>
+          <p:nvPr/>
+        </p:nvSpPr>
+        <p:spPr>
+          <a:xfrm>
+            <a:off x="6134603" y="5699144"/>
+            <a:ext cx="646331" cy="369332"/>
+          </a:xfrm>
+          <a:prstGeom prst="rect">
+            <a:avLst/>
+          </a:prstGeom>
+          <a:noFill/>
+        </p:spPr>
+        <p:txBody>
+          <a:bodyPr wrap="none" rtlCol="0">
+            <a:spAutoFit/>
+          </a:bodyPr>
+          <a:lstStyle/>
+          <a:p>
+            <a:r>
+              <a:rPr lang="zh-CN" altLang="en-US" b="1" dirty="0"/>
+              <a:t>高频</a:t>
+            </a:r>
+          </a:p>
+        </p:txBody>
+      </p:sp>
+      <p:grpSp>
+        <p:nvGrpSpPr>
+          <p:cNvPr id="13" name="组合 12">
+            <a:extLst>
+              <a:ext uri="{FF2B5EF4-FFF2-40B4-BE49-F238E27FC236}">
+                <a16:creationId xmlns:a16="http://schemas.microsoft.com/office/drawing/2014/main" id="{D908D3CF-A3EB-D6CE-6172-C62EA4853844}"/>
+              </a:ext>
+            </a:extLst>
+          </p:cNvPr>
+          <p:cNvGrpSpPr/>
+          <p:nvPr/>
+        </p:nvGrpSpPr>
+        <p:grpSpPr>
+          <a:xfrm rot="5400000">
+            <a:off x="-512000" y="3027219"/>
+            <a:ext cx="3288147" cy="300182"/>
+            <a:chOff x="198582" y="3133437"/>
+            <a:chExt cx="4627421" cy="300182"/>
+          </a:xfrm>
+        </p:grpSpPr>
+        <p:sp>
+          <p:nvSpPr>
+            <p:cNvPr id="14" name="箭头: 右 13">
+              <a:extLst>
+                <a:ext uri="{FF2B5EF4-FFF2-40B4-BE49-F238E27FC236}">
+                  <a16:creationId xmlns:a16="http://schemas.microsoft.com/office/drawing/2014/main" id="{181F6E51-20DD-37C6-3D7F-929A99A99CE0}"/>
+                </a:ext>
+              </a:extLst>
+            </p:cNvPr>
+            <p:cNvSpPr/>
+            <p:nvPr/>
+          </p:nvSpPr>
+          <p:spPr>
+            <a:xfrm>
+              <a:off x="198582" y="3133437"/>
+              <a:ext cx="2262909" cy="286319"/>
+            </a:xfrm>
+            <a:prstGeom prst="rightArrow">
+              <a:avLst/>
+            </a:prstGeom>
+          </p:spPr>
+          <p:style>
+            <a:lnRef idx="2">
+              <a:schemeClr val="accent1">
+                <a:shade val="50000"/>
+              </a:schemeClr>
+            </a:lnRef>
+            <a:fillRef idx="1">
+              <a:schemeClr val="accent1"/>
+            </a:fillRef>
+            <a:effectRef idx="0">
+              <a:schemeClr val="accent1"/>
+            </a:effectRef>
+            <a:fontRef idx="minor">
+              <a:schemeClr val="lt1"/>
+            </a:fontRef>
+          </p:style>
+          <p:txBody>
+            <a:bodyPr rtlCol="0" anchor="ctr"/>
+            <a:lstStyle/>
+            <a:p>
+              <a:pPr algn="ctr"/>
+              <a:endParaRPr lang="zh-CN" altLang="en-US" b="1"/>
+            </a:p>
+          </p:txBody>
+        </p:sp>
+        <p:sp>
+          <p:nvSpPr>
+            <p:cNvPr id="15" name="箭头: 左 14">
+              <a:extLst>
+                <a:ext uri="{FF2B5EF4-FFF2-40B4-BE49-F238E27FC236}">
+                  <a16:creationId xmlns:a16="http://schemas.microsoft.com/office/drawing/2014/main" id="{CC59D007-9B8F-8A8B-7F47-725B18EEF427}"/>
+                </a:ext>
+              </a:extLst>
+            </p:cNvPr>
+            <p:cNvSpPr/>
+            <p:nvPr/>
+          </p:nvSpPr>
+          <p:spPr>
+            <a:xfrm>
+              <a:off x="2563097" y="3133437"/>
+              <a:ext cx="2262906" cy="300182"/>
+            </a:xfrm>
+            <a:prstGeom prst="leftArrow">
+              <a:avLst/>
+            </a:prstGeom>
+          </p:spPr>
+          <p:style>
+            <a:lnRef idx="2">
+              <a:schemeClr val="accent1">
+                <a:shade val="50000"/>
+              </a:schemeClr>
+            </a:lnRef>
+            <a:fillRef idx="1">
+              <a:schemeClr val="accent1"/>
+            </a:fillRef>
+            <a:effectRef idx="0">
+              <a:schemeClr val="accent1"/>
+            </a:effectRef>
+            <a:fontRef idx="minor">
+              <a:schemeClr val="lt1"/>
+            </a:fontRef>
+          </p:style>
+          <p:txBody>
+            <a:bodyPr rtlCol="0" anchor="ctr"/>
+            <a:lstStyle/>
+            <a:p>
+              <a:pPr algn="ctr"/>
+              <a:endParaRPr lang="zh-CN" altLang="en-US" b="1"/>
+            </a:p>
+          </p:txBody>
+        </p:sp>
+      </p:grpSp>
+      <p:sp>
+        <p:nvSpPr>
+          <p:cNvPr id="16" name="文本框 15">
+            <a:extLst>
+              <a:ext uri="{FF2B5EF4-FFF2-40B4-BE49-F238E27FC236}">
+                <a16:creationId xmlns:a16="http://schemas.microsoft.com/office/drawing/2014/main" id="{5CBD9CCF-86F1-9819-8926-8596E59D0528}"/>
+              </a:ext>
+            </a:extLst>
+          </p:cNvPr>
+          <p:cNvSpPr txBox="1"/>
+          <p:nvPr/>
+        </p:nvSpPr>
+        <p:spPr>
+          <a:xfrm>
+            <a:off x="353399" y="2656510"/>
+            <a:ext cx="646331" cy="369332"/>
+          </a:xfrm>
+          <a:prstGeom prst="rect">
+            <a:avLst/>
+          </a:prstGeom>
+          <a:noFill/>
+        </p:spPr>
+        <p:txBody>
+          <a:bodyPr wrap="none" rtlCol="0">
+            <a:spAutoFit/>
+          </a:bodyPr>
+          <a:lstStyle/>
+          <a:p>
+            <a:r>
+              <a:rPr lang="zh-CN" altLang="en-US" b="1" dirty="0"/>
+              <a:t>低频</a:t>
+            </a:r>
+          </a:p>
+        </p:txBody>
+      </p:sp>
+      <p:sp>
+        <p:nvSpPr>
+          <p:cNvPr id="17" name="文本框 16">
+            <a:extLst>
+              <a:ext uri="{FF2B5EF4-FFF2-40B4-BE49-F238E27FC236}">
+                <a16:creationId xmlns:a16="http://schemas.microsoft.com/office/drawing/2014/main" id="{F2226297-4EB3-3630-0FA5-99D9CF18AD25}"/>
+              </a:ext>
+            </a:extLst>
+          </p:cNvPr>
+          <p:cNvSpPr txBox="1"/>
+          <p:nvPr/>
+        </p:nvSpPr>
+        <p:spPr>
+          <a:xfrm>
+            <a:off x="340948" y="4465906"/>
+            <a:ext cx="646331" cy="369332"/>
+          </a:xfrm>
+          <a:prstGeom prst="rect">
+            <a:avLst/>
+          </a:prstGeom>
+          <a:noFill/>
+        </p:spPr>
+        <p:txBody>
+          <a:bodyPr wrap="none" rtlCol="0">
+            <a:spAutoFit/>
+          </a:bodyPr>
+          <a:lstStyle/>
+          <a:p>
+            <a:r>
+              <a:rPr lang="zh-CN" altLang="en-US" b="1" dirty="0"/>
+              <a:t>高频</a:t>
+            </a:r>
+          </a:p>
+        </p:txBody>
+      </p:sp>
+      <p:sp>
+        <p:nvSpPr>
+          <p:cNvPr id="18" name="文本框 17">
+            <a:extLst>
+              <a:ext uri="{FF2B5EF4-FFF2-40B4-BE49-F238E27FC236}">
+                <a16:creationId xmlns:a16="http://schemas.microsoft.com/office/drawing/2014/main" id="{2D8A4D44-84DD-447F-2A37-5D92D03BD3A7}"/>
+              </a:ext>
+            </a:extLst>
+          </p:cNvPr>
+          <p:cNvSpPr txBox="1"/>
+          <p:nvPr/>
+        </p:nvSpPr>
+        <p:spPr>
+          <a:xfrm>
+            <a:off x="335652" y="3393897"/>
+            <a:ext cx="646331" cy="369332"/>
+          </a:xfrm>
+          <a:prstGeom prst="rect">
+            <a:avLst/>
+          </a:prstGeom>
+          <a:noFill/>
+        </p:spPr>
+        <p:txBody>
+          <a:bodyPr wrap="none" rtlCol="0">
+            <a:spAutoFit/>
+          </a:bodyPr>
+          <a:lstStyle/>
+          <a:p>
+            <a:r>
+              <a:rPr lang="zh-CN" altLang="en-US" b="1" dirty="0"/>
+              <a:t>低频</a:t>
+            </a:r>
+          </a:p>
+        </p:txBody>
+      </p:sp>
+      <p:sp>
+        <p:nvSpPr>
+          <p:cNvPr id="19" name="文本框 18">
+            <a:extLst>
+              <a:ext uri="{FF2B5EF4-FFF2-40B4-BE49-F238E27FC236}">
+                <a16:creationId xmlns:a16="http://schemas.microsoft.com/office/drawing/2014/main" id="{BBBFFB60-DE8A-20DD-14F9-646A4CCA053A}"/>
+              </a:ext>
+            </a:extLst>
+          </p:cNvPr>
+          <p:cNvSpPr txBox="1"/>
+          <p:nvPr/>
+        </p:nvSpPr>
+        <p:spPr>
+          <a:xfrm>
+            <a:off x="347198" y="1560882"/>
+            <a:ext cx="646331" cy="369332"/>
+          </a:xfrm>
+          <a:prstGeom prst="rect">
+            <a:avLst/>
+          </a:prstGeom>
+          <a:noFill/>
+        </p:spPr>
+        <p:txBody>
+          <a:bodyPr wrap="none" rtlCol="0">
+            <a:spAutoFit/>
+          </a:bodyPr>
+          <a:lstStyle/>
+          <a:p>
+            <a:r>
+              <a:rPr lang="zh-CN" altLang="en-US" b="1" dirty="0"/>
+              <a:t>高频</a:t>
+            </a:r>
+          </a:p>
+        </p:txBody>
+      </p:sp>
+      <p:cxnSp>
+        <p:nvCxnSpPr>
+          <p:cNvPr id="20" name="直接连接符 19">
+            <a:extLst>
+              <a:ext uri="{FF2B5EF4-FFF2-40B4-BE49-F238E27FC236}">
+                <a16:creationId xmlns:a16="http://schemas.microsoft.com/office/drawing/2014/main" id="{4592F662-8727-B137-F5DA-CC5D2BF4E2A0}"/>
+              </a:ext>
+            </a:extLst>
+          </p:cNvPr>
+          <p:cNvCxnSpPr>
+            <a:stCxn id="2" idx="1"/>
+            <a:endCxn id="2" idx="3"/>
+          </p:cNvCxnSpPr>
+          <p:nvPr/>
+        </p:nvCxnSpPr>
+        <p:spPr>
+          <a:xfrm>
+            <a:off x="1801091" y="3177309"/>
+            <a:ext cx="4821382" cy="0"/>
+          </a:xfrm>
+          <a:prstGeom prst="line">
+            <a:avLst/>
+          </a:prstGeom>
+          <a:ln w="38100">
+            <a:solidFill>
+              <a:schemeClr val="bg1"/>
+            </a:solidFill>
+            <a:prstDash val="sysDash"/>
+          </a:ln>
+        </p:spPr>
+        <p:style>
+          <a:lnRef idx="1">
+            <a:schemeClr val="accent1"/>
+          </a:lnRef>
+          <a:fillRef idx="0">
+            <a:schemeClr val="accent1"/>
+          </a:fillRef>
+          <a:effectRef idx="0">
+            <a:schemeClr val="accent1"/>
+          </a:effectRef>
+          <a:fontRef idx="minor">
+            <a:schemeClr val="tx1"/>
+          </a:fontRef>
+        </p:style>
+      </p:cxnSp>
+      <p:cxnSp>
+        <p:nvCxnSpPr>
+          <p:cNvPr id="21" name="直接连接符 20">
+            <a:extLst>
+              <a:ext uri="{FF2B5EF4-FFF2-40B4-BE49-F238E27FC236}">
+                <a16:creationId xmlns:a16="http://schemas.microsoft.com/office/drawing/2014/main" id="{22492533-23F8-2F9D-80D5-A6C714835931}"/>
+              </a:ext>
+            </a:extLst>
+          </p:cNvPr>
+          <p:cNvCxnSpPr>
+            <a:cxnSpLocks/>
+            <a:stCxn id="2" idx="2"/>
+          </p:cNvCxnSpPr>
+          <p:nvPr/>
+        </p:nvCxnSpPr>
+        <p:spPr>
+          <a:xfrm flipV="1">
+            <a:off x="4211782" y="1533236"/>
+            <a:ext cx="0" cy="3288145"/>
+          </a:xfrm>
+          <a:prstGeom prst="line">
+            <a:avLst/>
+          </a:prstGeom>
+          <a:ln w="38100">
+            <a:solidFill>
+              <a:schemeClr val="bg1"/>
+            </a:solidFill>
+            <a:prstDash val="sysDash"/>
+          </a:ln>
+        </p:spPr>
+        <p:style>
+          <a:lnRef idx="1">
+            <a:schemeClr val="accent1"/>
+          </a:lnRef>
+          <a:fillRef idx="0">
+            <a:schemeClr val="accent1"/>
+          </a:fillRef>
+          <a:effectRef idx="0">
+            <a:schemeClr val="accent1"/>
+          </a:effectRef>
+          <a:fontRef idx="minor">
+            <a:schemeClr val="tx1"/>
+          </a:fontRef>
+        </p:style>
+      </p:cxnSp>
+      <p:sp>
+        <p:nvSpPr>
+          <p:cNvPr id="22" name="文本框 21">
+            <a:extLst>
+              <a:ext uri="{FF2B5EF4-FFF2-40B4-BE49-F238E27FC236}">
+                <a16:creationId xmlns:a16="http://schemas.microsoft.com/office/drawing/2014/main" id="{8E1C6255-65EF-C45B-B493-C6E83C944C1C}"/>
+              </a:ext>
+            </a:extLst>
+          </p:cNvPr>
+          <p:cNvSpPr txBox="1"/>
+          <p:nvPr/>
+        </p:nvSpPr>
+        <p:spPr>
+          <a:xfrm>
+            <a:off x="1798315" y="4465906"/>
+            <a:ext cx="646331" cy="369332"/>
+          </a:xfrm>
+          <a:prstGeom prst="rect">
+            <a:avLst/>
+          </a:prstGeom>
+          <a:noFill/>
+        </p:spPr>
+        <p:txBody>
+          <a:bodyPr wrap="none" rtlCol="0">
+            <a:spAutoFit/>
+          </a:bodyPr>
+          <a:lstStyle/>
+          <a:p>
+            <a:r>
+              <a:rPr lang="zh-CN" altLang="en-US" b="1" dirty="0"/>
+              <a:t>高频</a:t>
+            </a:r>
+          </a:p>
+        </p:txBody>
+      </p:sp>
+      <p:sp>
+        <p:nvSpPr>
+          <p:cNvPr id="23" name="文本框 22">
+            <a:extLst>
+              <a:ext uri="{FF2B5EF4-FFF2-40B4-BE49-F238E27FC236}">
+                <a16:creationId xmlns:a16="http://schemas.microsoft.com/office/drawing/2014/main" id="{2AE4A6CA-0A3C-9B13-0576-5342EF4D97A4}"/>
+              </a:ext>
+            </a:extLst>
+          </p:cNvPr>
+          <p:cNvSpPr txBox="1"/>
+          <p:nvPr/>
+        </p:nvSpPr>
+        <p:spPr>
+          <a:xfrm>
+            <a:off x="5976141" y="4442876"/>
+            <a:ext cx="646331" cy="369332"/>
+          </a:xfrm>
+          <a:prstGeom prst="rect">
+            <a:avLst/>
+          </a:prstGeom>
+          <a:noFill/>
+        </p:spPr>
+        <p:txBody>
+          <a:bodyPr wrap="none" rtlCol="0">
+            <a:spAutoFit/>
+          </a:bodyPr>
+          <a:lstStyle/>
+          <a:p>
+            <a:r>
+              <a:rPr lang="zh-CN" altLang="en-US" b="1" dirty="0"/>
+              <a:t>高频</a:t>
+            </a:r>
+          </a:p>
+        </p:txBody>
+      </p:sp>
+      <p:sp>
+        <p:nvSpPr>
+          <p:cNvPr id="24" name="文本框 23">
+            <a:extLst>
+              <a:ext uri="{FF2B5EF4-FFF2-40B4-BE49-F238E27FC236}">
+                <a16:creationId xmlns:a16="http://schemas.microsoft.com/office/drawing/2014/main" id="{471C3EC3-ADBF-0077-B3BF-EE47068681BA}"/>
+              </a:ext>
+            </a:extLst>
+          </p:cNvPr>
+          <p:cNvSpPr txBox="1"/>
+          <p:nvPr/>
+        </p:nvSpPr>
+        <p:spPr>
+          <a:xfrm>
+            <a:off x="5990210" y="1547209"/>
+            <a:ext cx="646331" cy="369332"/>
+          </a:xfrm>
+          <a:prstGeom prst="rect">
+            <a:avLst/>
+          </a:prstGeom>
+          <a:noFill/>
+        </p:spPr>
+        <p:txBody>
+          <a:bodyPr wrap="none" rtlCol="0">
+            <a:spAutoFit/>
+          </a:bodyPr>
+          <a:lstStyle/>
+          <a:p>
+            <a:r>
+              <a:rPr lang="zh-CN" altLang="en-US" b="1" dirty="0"/>
+              <a:t>高频</a:t>
+            </a:r>
+          </a:p>
+        </p:txBody>
+      </p:sp>
+      <p:sp>
+        <p:nvSpPr>
+          <p:cNvPr id="25" name="文本框 24">
+            <a:extLst>
+              <a:ext uri="{FF2B5EF4-FFF2-40B4-BE49-F238E27FC236}">
+                <a16:creationId xmlns:a16="http://schemas.microsoft.com/office/drawing/2014/main" id="{66E9AA91-2A88-9991-74C5-2A456FA0F385}"/>
+              </a:ext>
+            </a:extLst>
+          </p:cNvPr>
+          <p:cNvSpPr txBox="1"/>
+          <p:nvPr/>
+        </p:nvSpPr>
+        <p:spPr>
+          <a:xfrm>
+            <a:off x="1824183" y="1560882"/>
+            <a:ext cx="646331" cy="369332"/>
+          </a:xfrm>
+          <a:prstGeom prst="rect">
+            <a:avLst/>
+          </a:prstGeom>
+          <a:noFill/>
+        </p:spPr>
+        <p:txBody>
+          <a:bodyPr wrap="none" rtlCol="0">
+            <a:spAutoFit/>
+          </a:bodyPr>
+          <a:lstStyle/>
+          <a:p>
+            <a:r>
+              <a:rPr lang="zh-CN" altLang="en-US" b="1" dirty="0"/>
+              <a:t>高频</a:t>
+            </a:r>
+          </a:p>
+        </p:txBody>
+      </p:sp>
+      <p:sp>
+        <p:nvSpPr>
+          <p:cNvPr id="26" name="文本框 25">
+            <a:extLst>
+              <a:ext uri="{FF2B5EF4-FFF2-40B4-BE49-F238E27FC236}">
+                <a16:creationId xmlns:a16="http://schemas.microsoft.com/office/drawing/2014/main" id="{83E79C80-3AA0-C6FA-4A6D-1AE44FB8DCED}"/>
+              </a:ext>
+            </a:extLst>
+          </p:cNvPr>
+          <p:cNvSpPr txBox="1"/>
+          <p:nvPr/>
+        </p:nvSpPr>
+        <p:spPr>
+          <a:xfrm>
+            <a:off x="3533444" y="3253514"/>
+            <a:ext cx="646331" cy="369332"/>
+          </a:xfrm>
+          <a:prstGeom prst="rect">
+            <a:avLst/>
+          </a:prstGeom>
+          <a:noFill/>
+        </p:spPr>
+        <p:txBody>
+          <a:bodyPr wrap="none" rtlCol="0">
+            <a:spAutoFit/>
+          </a:bodyPr>
+          <a:lstStyle/>
+          <a:p>
+            <a:r>
+              <a:rPr lang="zh-CN" altLang="en-US" b="1" dirty="0"/>
+              <a:t>低频</a:t>
+            </a:r>
+          </a:p>
+        </p:txBody>
+      </p:sp>
+      <p:sp>
+        <p:nvSpPr>
+          <p:cNvPr id="27" name="文本框 26">
+            <a:extLst>
+              <a:ext uri="{FF2B5EF4-FFF2-40B4-BE49-F238E27FC236}">
+                <a16:creationId xmlns:a16="http://schemas.microsoft.com/office/drawing/2014/main" id="{F0021C34-E4EB-C123-6D5C-113F4A207058}"/>
+              </a:ext>
+            </a:extLst>
+          </p:cNvPr>
+          <p:cNvSpPr txBox="1"/>
+          <p:nvPr/>
+        </p:nvSpPr>
+        <p:spPr>
+          <a:xfrm>
+            <a:off x="4214559" y="2720383"/>
+            <a:ext cx="646331" cy="369332"/>
+          </a:xfrm>
+          <a:prstGeom prst="rect">
+            <a:avLst/>
+          </a:prstGeom>
+          <a:noFill/>
+        </p:spPr>
+        <p:txBody>
+          <a:bodyPr wrap="none" rtlCol="0">
+            <a:spAutoFit/>
+          </a:bodyPr>
+          <a:lstStyle/>
+          <a:p>
+            <a:r>
+              <a:rPr lang="zh-CN" altLang="en-US" b="1" dirty="0"/>
+              <a:t>低频</a:t>
+            </a:r>
+          </a:p>
+        </p:txBody>
+      </p:sp>
+      <p:sp>
+        <p:nvSpPr>
+          <p:cNvPr id="28" name="文本框 27">
+            <a:extLst>
+              <a:ext uri="{FF2B5EF4-FFF2-40B4-BE49-F238E27FC236}">
+                <a16:creationId xmlns:a16="http://schemas.microsoft.com/office/drawing/2014/main" id="{7A6A34F8-3608-8994-AEB7-D0ED6362C4E4}"/>
+              </a:ext>
+            </a:extLst>
+          </p:cNvPr>
+          <p:cNvSpPr txBox="1"/>
+          <p:nvPr/>
+        </p:nvSpPr>
+        <p:spPr>
+          <a:xfrm>
+            <a:off x="3528505" y="2738701"/>
+            <a:ext cx="646331" cy="369332"/>
+          </a:xfrm>
+          <a:prstGeom prst="rect">
+            <a:avLst/>
+          </a:prstGeom>
+          <a:noFill/>
+        </p:spPr>
+        <p:txBody>
+          <a:bodyPr wrap="none" rtlCol="0">
+            <a:spAutoFit/>
+          </a:bodyPr>
+          <a:lstStyle/>
+          <a:p>
+            <a:r>
+              <a:rPr lang="zh-CN" altLang="en-US" b="1" dirty="0"/>
+              <a:t>低频</a:t>
+            </a:r>
+          </a:p>
+        </p:txBody>
+      </p:sp>
+      <p:sp>
+        <p:nvSpPr>
+          <p:cNvPr id="29" name="文本框 28">
+            <a:extLst>
+              <a:ext uri="{FF2B5EF4-FFF2-40B4-BE49-F238E27FC236}">
+                <a16:creationId xmlns:a16="http://schemas.microsoft.com/office/drawing/2014/main" id="{16DEA7A7-D7A6-C62B-7C8C-2C8A7C7FF2DD}"/>
+              </a:ext>
+            </a:extLst>
+          </p:cNvPr>
+          <p:cNvSpPr txBox="1"/>
+          <p:nvPr/>
+        </p:nvSpPr>
+        <p:spPr>
+          <a:xfrm>
+            <a:off x="4239491" y="3248773"/>
+            <a:ext cx="646331" cy="369332"/>
+          </a:xfrm>
+          <a:prstGeom prst="rect">
+            <a:avLst/>
+          </a:prstGeom>
+          <a:noFill/>
+        </p:spPr>
+        <p:txBody>
+          <a:bodyPr wrap="none" rtlCol="0">
+            <a:spAutoFit/>
+          </a:bodyPr>
+          <a:lstStyle/>
+          <a:p>
+            <a:r>
+              <a:rPr lang="zh-CN" altLang="en-US" b="1" dirty="0"/>
+              <a:t>低频</a:t>
+            </a:r>
+          </a:p>
+        </p:txBody>
+      </p:sp>
+      <p:sp>
+        <p:nvSpPr>
+          <p:cNvPr id="30" name="文本框 29">
+            <a:extLst>
+              <a:ext uri="{FF2B5EF4-FFF2-40B4-BE49-F238E27FC236}">
+                <a16:creationId xmlns:a16="http://schemas.microsoft.com/office/drawing/2014/main" id="{ACA5EA46-B5FE-F1DF-B9A0-8C759A4363EE}"/>
+              </a:ext>
+            </a:extLst>
+          </p:cNvPr>
+          <p:cNvSpPr txBox="1"/>
+          <p:nvPr/>
+        </p:nvSpPr>
+        <p:spPr>
+          <a:xfrm>
+            <a:off x="897828" y="139151"/>
+            <a:ext cx="5724644" cy="369332"/>
+          </a:xfrm>
+          <a:prstGeom prst="rect">
+            <a:avLst/>
+          </a:prstGeom>
+          <a:noFill/>
+        </p:spPr>
+        <p:txBody>
+          <a:bodyPr wrap="none" rtlCol="0">
+            <a:spAutoFit/>
+          </a:bodyPr>
+          <a:lstStyle/>
+          <a:p>
+            <a:r>
+              <a:rPr lang="zh-CN" altLang="en-US" b="1" dirty="0"/>
+              <a:t>如果对图像傅里叶变换做平移变化所显示的频谱图分布</a:t>
+            </a:r>
+          </a:p>
+        </p:txBody>
+      </p:sp>
+      <p:sp>
+        <p:nvSpPr>
+          <p:cNvPr id="32" name="文本框 31">
+            <a:extLst>
+              <a:ext uri="{FF2B5EF4-FFF2-40B4-BE49-F238E27FC236}">
+                <a16:creationId xmlns:a16="http://schemas.microsoft.com/office/drawing/2014/main" id="{F7F11D03-937C-B053-032F-BB89AB9E423B}"/>
+              </a:ext>
+            </a:extLst>
+          </p:cNvPr>
+          <p:cNvSpPr txBox="1"/>
+          <p:nvPr/>
+        </p:nvSpPr>
+        <p:spPr>
+          <a:xfrm>
+            <a:off x="993529" y="619000"/>
+            <a:ext cx="5481162" cy="646331"/>
+          </a:xfrm>
+          <a:prstGeom prst="rect">
+            <a:avLst/>
+          </a:prstGeom>
+          <a:noFill/>
+        </p:spPr>
+        <p:txBody>
+          <a:bodyPr wrap="square" rtlCol="0">
+            <a:spAutoFit/>
+          </a:bodyPr>
+          <a:lstStyle/>
+          <a:p>
+            <a:pPr algn="ctr"/>
+            <a:r>
+              <a:rPr lang="zh-CN" altLang="en-US" b="1" dirty="0">
+                <a:solidFill>
+                  <a:srgbClr val="FF0000"/>
+                </a:solidFill>
+              </a:rPr>
+              <a:t>与不做平移变换的频谱图相比平移变换会频率图沿对角线对调</a:t>
+            </a:r>
+          </a:p>
+        </p:txBody>
+      </p:sp>
+    </p:spTree>
+    <p:extLst>
+      <p:ext uri="{BB962C8B-B14F-4D97-AF65-F5344CB8AC3E}">
+        <p14:creationId xmlns:p14="http://schemas.microsoft.com/office/powerpoint/2010/main" val="1676748158"/>
       </p:ext>
     </p:extLst>
   </p:cSld>
